--- a/Figures.pptx
+++ b/Figures.pptx
@@ -6,6 +6,8 @@
   </p:sldMasterIdLst>
   <p:sldIdLst>
     <p:sldId id="257" r:id="rId2"/>
+    <p:sldId id="258" r:id="rId3"/>
+    <p:sldId id="259" r:id="rId4"/>
   </p:sldIdLst>
   <p:sldSz cx="9144000" cy="6858000" type="screen4x3"/>
   <p:notesSz cx="6858000" cy="9144000"/>
@@ -3232,8 +3234,8 @@
           </a:p>
         </p:txBody>
       </p:sp>
-      <mc:AlternateContent xmlns:mc="http://schemas.openxmlformats.org/markup-compatibility/2006">
-        <mc:Choice xmlns:a14="http://schemas.microsoft.com/office/drawing/2010/main" Requires="a14">
+      <mc:AlternateContent xmlns:mc="http://schemas.openxmlformats.org/markup-compatibility/2006" xmlns:a14="http://schemas.microsoft.com/office/drawing/2010/main">
+        <mc:Choice Requires="a14">
           <p:sp>
             <p:nvSpPr>
               <p:cNvPr id="9" name="TextBox 8"/>
@@ -3256,6 +3258,7 @@
               </a:bodyPr>
               <a:lstStyle/>
               <a:p>
+                <a:pPr/>
                 <a14:m>
                   <m:oMathPara xmlns:m="http://schemas.openxmlformats.org/officeDocument/2006/math">
                     <m:oMathParaPr>
@@ -3276,7 +3279,7 @@
             </p:txBody>
           </p:sp>
         </mc:Choice>
-        <mc:Fallback>
+        <mc:Fallback xmlns="">
           <p:sp>
             <p:nvSpPr>
               <p:cNvPr id="9" name="TextBox 8"/>
@@ -3480,8 +3483,8 @@
           </a:fontRef>
         </p:style>
       </p:cxnSp>
-      <mc:AlternateContent xmlns:mc="http://schemas.openxmlformats.org/markup-compatibility/2006">
-        <mc:Choice xmlns:a14="http://schemas.microsoft.com/office/drawing/2010/main" Requires="a14">
+      <mc:AlternateContent xmlns:mc="http://schemas.openxmlformats.org/markup-compatibility/2006" xmlns:a14="http://schemas.microsoft.com/office/drawing/2010/main">
+        <mc:Choice Requires="a14">
           <p:sp>
             <p:nvSpPr>
               <p:cNvPr id="20" name="TextBox 19"/>
@@ -3504,6 +3507,7 @@
               </a:bodyPr>
               <a:lstStyle/>
               <a:p>
+                <a:pPr/>
                 <a14:m>
                   <m:oMathPara xmlns:m="http://schemas.openxmlformats.org/officeDocument/2006/math">
                     <m:oMathParaPr>
@@ -3524,7 +3528,7 @@
             </p:txBody>
           </p:sp>
         </mc:Choice>
-        <mc:Fallback>
+        <mc:Fallback xmlns="">
           <p:sp>
             <p:nvSpPr>
               <p:cNvPr id="20" name="TextBox 19"/>
@@ -3563,8 +3567,8 @@
           </p:sp>
         </mc:Fallback>
       </mc:AlternateContent>
-      <mc:AlternateContent xmlns:mc="http://schemas.openxmlformats.org/markup-compatibility/2006">
-        <mc:Choice xmlns:a14="http://schemas.microsoft.com/office/drawing/2010/main" Requires="a14">
+      <mc:AlternateContent xmlns:mc="http://schemas.openxmlformats.org/markup-compatibility/2006" xmlns:a14="http://schemas.microsoft.com/office/drawing/2010/main">
+        <mc:Choice Requires="a14">
           <p:sp>
             <p:nvSpPr>
               <p:cNvPr id="21" name="TextBox 20"/>
@@ -3587,6 +3591,7 @@
               </a:bodyPr>
               <a:lstStyle/>
               <a:p>
+                <a:pPr/>
                 <a14:m>
                   <m:oMathPara xmlns:m="http://schemas.openxmlformats.org/officeDocument/2006/math">
                     <m:oMathParaPr>
@@ -3626,7 +3631,7 @@
             </p:txBody>
           </p:sp>
         </mc:Choice>
-        <mc:Fallback>
+        <mc:Fallback xmlns="">
           <p:sp>
             <p:nvSpPr>
               <p:cNvPr id="21" name="TextBox 20"/>
@@ -3711,8 +3716,8 @@
           </a:p>
         </p:txBody>
       </p:sp>
-      <mc:AlternateContent xmlns:mc="http://schemas.openxmlformats.org/markup-compatibility/2006">
-        <mc:Choice xmlns:a14="http://schemas.microsoft.com/office/drawing/2010/main" Requires="a14">
+      <mc:AlternateContent xmlns:mc="http://schemas.openxmlformats.org/markup-compatibility/2006" xmlns:a14="http://schemas.microsoft.com/office/drawing/2010/main">
+        <mc:Choice Requires="a14">
           <p:sp>
             <p:nvSpPr>
               <p:cNvPr id="23" name="TextBox 22"/>
@@ -3735,6 +3740,7 @@
               </a:bodyPr>
               <a:lstStyle/>
               <a:p>
+                <a:pPr/>
                 <a14:m>
                   <m:oMathPara xmlns:m="http://schemas.openxmlformats.org/officeDocument/2006/math">
                     <m:oMathParaPr>
@@ -3780,7 +3786,7 @@
             </p:txBody>
           </p:sp>
         </mc:Choice>
-        <mc:Fallback>
+        <mc:Fallback xmlns="">
           <p:sp>
             <p:nvSpPr>
               <p:cNvPr id="23" name="TextBox 22"/>
@@ -3865,6 +3871,109 @@
           </a:p>
         </p:txBody>
       </p:sp>
+      <mc:AlternateContent xmlns:mc="http://schemas.openxmlformats.org/markup-compatibility/2006">
+        <mc:Choice xmlns:a14="http://schemas.microsoft.com/office/drawing/2010/main" Requires="a14">
+          <p:sp>
+            <p:nvSpPr>
+              <p:cNvPr id="16" name="TextBox 15"/>
+              <p:cNvSpPr txBox="1"/>
+              <p:nvPr/>
+            </p:nvSpPr>
+            <p:spPr>
+              <a:xfrm>
+                <a:off x="3617925" y="2373378"/>
+                <a:ext cx="477823" cy="391261"/>
+              </a:xfrm>
+              <a:prstGeom prst="rect">
+                <a:avLst/>
+              </a:prstGeom>
+              <a:noFill/>
+            </p:spPr>
+            <p:txBody>
+              <a:bodyPr wrap="none" rtlCol="0">
+                <a:spAutoFit/>
+              </a:bodyPr>
+              <a:lstStyle/>
+              <a:p>
+                <a:pPr/>
+                <a14:m>
+                  <m:oMathPara xmlns:m="http://schemas.openxmlformats.org/officeDocument/2006/math">
+                    <m:oMathParaPr>
+                      <m:jc m:val="centerGroup"/>
+                    </m:oMathParaPr>
+                    <m:oMath xmlns:m="http://schemas.openxmlformats.org/officeDocument/2006/math">
+                      <m:sSub>
+                        <m:sSubPr>
+                          <m:ctrlPr>
+                            <a:rPr lang="en-US" b="0" i="1" smtClean="0">
+                              <a:latin typeface="Cambria Math"/>
+                            </a:rPr>
+                          </m:ctrlPr>
+                        </m:sSubPr>
+                        <m:e>
+                          <m:r>
+                            <a:rPr lang="en-US" b="0" i="1" smtClean="0">
+                              <a:latin typeface="Cambria Math"/>
+                            </a:rPr>
+                            <m:t>𝑝</m:t>
+                          </m:r>
+                        </m:e>
+                        <m:sub>
+                          <m:r>
+                            <a:rPr lang="en-US" b="0" i="1" smtClean="0">
+                              <a:latin typeface="Cambria Math"/>
+                            </a:rPr>
+                            <m:t>𝑦</m:t>
+                          </m:r>
+                        </m:sub>
+                      </m:sSub>
+                    </m:oMath>
+                  </m:oMathPara>
+                </a14:m>
+                <a:endParaRPr lang="en-US" dirty="0"/>
+              </a:p>
+            </p:txBody>
+          </p:sp>
+        </mc:Choice>
+        <mc:Fallback>
+          <p:sp>
+            <p:nvSpPr>
+              <p:cNvPr id="16" name="TextBox 15"/>
+              <p:cNvSpPr txBox="1">
+                <a:spLocks noRot="1" noChangeAspect="1" noMove="1" noResize="1" noEditPoints="1" noAdjustHandles="1" noChangeArrowheads="1" noChangeShapeType="1" noTextEdit="1"/>
+              </p:cNvSpPr>
+              <p:nvPr/>
+            </p:nvSpPr>
+            <p:spPr>
+              <a:xfrm>
+                <a:off x="3617925" y="2373378"/>
+                <a:ext cx="477823" cy="391261"/>
+              </a:xfrm>
+              <a:prstGeom prst="rect">
+                <a:avLst/>
+              </a:prstGeom>
+              <a:blipFill rotWithShape="1">
+                <a:blip r:embed="rId6"/>
+                <a:stretch>
+                  <a:fillRect b="-1538"/>
+                </a:stretch>
+              </a:blipFill>
+            </p:spPr>
+            <p:txBody>
+              <a:bodyPr/>
+              <a:lstStyle/>
+              <a:p>
+                <a:r>
+                  <a:rPr lang="en-US">
+                    <a:noFill/>
+                  </a:rPr>
+                  <a:t> </a:t>
+                </a:r>
+              </a:p>
+            </p:txBody>
+          </p:sp>
+        </mc:Fallback>
+      </mc:AlternateContent>
     </p:spTree>
     <p:extLst>
       <p:ext uri="{BB962C8B-B14F-4D97-AF65-F5344CB8AC3E}">
@@ -3875,6 +3984,3488 @@
   <p:clrMapOvr>
     <a:masterClrMapping/>
   </p:clrMapOvr>
+  <p:timing>
+    <p:tnLst>
+      <p:par>
+        <p:cTn id="1" dur="indefinite" restart="never" nodeType="tmRoot"/>
+      </p:par>
+    </p:tnLst>
+  </p:timing>
+</p:sld>
+</file>
+
+<file path=ppt/slides/slide2.xml><?xml version="1.0" encoding="utf-8"?>
+<p:sld xmlns:a="http://schemas.openxmlformats.org/drawingml/2006/main" xmlns:r="http://schemas.openxmlformats.org/officeDocument/2006/relationships" xmlns:p="http://schemas.openxmlformats.org/presentationml/2006/main">
+  <p:cSld>
+    <p:spTree>
+      <p:nvGrpSpPr>
+        <p:cNvPr id="1" name=""/>
+        <p:cNvGrpSpPr/>
+        <p:nvPr/>
+      </p:nvGrpSpPr>
+      <p:grpSpPr>
+        <a:xfrm>
+          <a:off x="0" y="0"/>
+          <a:ext cx="0" cy="0"/>
+          <a:chOff x="0" y="0"/>
+          <a:chExt cx="0" cy="0"/>
+        </a:xfrm>
+      </p:grpSpPr>
+      <mc:AlternateContent xmlns:mc="http://schemas.openxmlformats.org/markup-compatibility/2006" xmlns:a14="http://schemas.microsoft.com/office/drawing/2010/main">
+        <mc:Choice Requires="a14">
+          <p:sp>
+            <p:nvSpPr>
+              <p:cNvPr id="26" name="TextBox 25"/>
+              <p:cNvSpPr txBox="1"/>
+              <p:nvPr/>
+            </p:nvSpPr>
+            <p:spPr>
+              <a:xfrm>
+                <a:off x="1681163" y="2373512"/>
+                <a:ext cx="401199" cy="307777"/>
+              </a:xfrm>
+              <a:prstGeom prst="rect">
+                <a:avLst/>
+              </a:prstGeom>
+              <a:noFill/>
+            </p:spPr>
+            <p:txBody>
+              <a:bodyPr wrap="none" rtlCol="0">
+                <a:spAutoFit/>
+              </a:bodyPr>
+              <a:lstStyle/>
+              <a:p>
+                <a:pPr/>
+                <a14:m>
+                  <m:oMathPara xmlns:m="http://schemas.openxmlformats.org/officeDocument/2006/math">
+                    <m:oMathParaPr>
+                      <m:jc m:val="centerGroup"/>
+                    </m:oMathParaPr>
+                    <m:oMath xmlns:m="http://schemas.openxmlformats.org/officeDocument/2006/math">
+                      <m:sSub>
+                        <m:sSubPr>
+                          <m:ctrlPr>
+                            <a:rPr lang="en-US" sz="1400" b="0" i="1" smtClean="0">
+                              <a:latin typeface="Cambria Math"/>
+                            </a:rPr>
+                          </m:ctrlPr>
+                        </m:sSubPr>
+                        <m:e>
+                          <m:r>
+                            <a:rPr lang="en-US" sz="1400" b="0" i="1" smtClean="0">
+                              <a:latin typeface="Cambria Math"/>
+                            </a:rPr>
+                            <m:t>𝑝</m:t>
+                          </m:r>
+                        </m:e>
+                        <m:sub>
+                          <m:r>
+                            <a:rPr lang="en-US" sz="1400" b="0" i="1" smtClean="0">
+                              <a:latin typeface="Cambria Math"/>
+                            </a:rPr>
+                            <m:t>1</m:t>
+                          </m:r>
+                        </m:sub>
+                      </m:sSub>
+                    </m:oMath>
+                  </m:oMathPara>
+                </a14:m>
+                <a:endParaRPr lang="en-US" sz="1400" dirty="0"/>
+              </a:p>
+            </p:txBody>
+          </p:sp>
+        </mc:Choice>
+        <mc:Fallback xmlns="">
+          <p:sp>
+            <p:nvSpPr>
+              <p:cNvPr id="26" name="TextBox 25"/>
+              <p:cNvSpPr txBox="1">
+                <a:spLocks noRot="1" noChangeAspect="1" noMove="1" noResize="1" noEditPoints="1" noAdjustHandles="1" noChangeArrowheads="1" noChangeShapeType="1" noTextEdit="1"/>
+              </p:cNvSpPr>
+              <p:nvPr/>
+            </p:nvSpPr>
+            <p:spPr>
+              <a:xfrm>
+                <a:off x="1681163" y="2373512"/>
+                <a:ext cx="401199" cy="307777"/>
+              </a:xfrm>
+              <a:prstGeom prst="rect">
+                <a:avLst/>
+              </a:prstGeom>
+              <a:blipFill rotWithShape="1">
+                <a:blip r:embed="rId2"/>
+                <a:stretch>
+                  <a:fillRect/>
+                </a:stretch>
+              </a:blipFill>
+            </p:spPr>
+            <p:txBody>
+              <a:bodyPr/>
+              <a:lstStyle/>
+              <a:p>
+                <a:r>
+                  <a:rPr lang="en-US">
+                    <a:noFill/>
+                  </a:rPr>
+                  <a:t> </a:t>
+                </a:r>
+              </a:p>
+            </p:txBody>
+          </p:sp>
+        </mc:Fallback>
+      </mc:AlternateContent>
+      <p:cxnSp>
+        <p:nvCxnSpPr>
+          <p:cNvPr id="2" name="Straight Arrow Connector 1"/>
+          <p:cNvCxnSpPr/>
+          <p:nvPr/>
+        </p:nvCxnSpPr>
+        <p:spPr>
+          <a:xfrm flipV="1">
+            <a:off x="1371600" y="1676400"/>
+            <a:ext cx="1752600" cy="895350"/>
+          </a:xfrm>
+          <a:prstGeom prst="straightConnector1">
+            <a:avLst/>
+          </a:prstGeom>
+          <a:ln>
+            <a:solidFill>
+              <a:schemeClr val="tx1"/>
+            </a:solidFill>
+            <a:tailEnd type="arrow"/>
+          </a:ln>
+        </p:spPr>
+        <p:style>
+          <a:lnRef idx="1">
+            <a:schemeClr val="accent1"/>
+          </a:lnRef>
+          <a:fillRef idx="0">
+            <a:schemeClr val="accent1"/>
+          </a:fillRef>
+          <a:effectRef idx="0">
+            <a:schemeClr val="accent1"/>
+          </a:effectRef>
+          <a:fontRef idx="minor">
+            <a:schemeClr val="tx1"/>
+          </a:fontRef>
+        </p:style>
+      </p:cxnSp>
+      <p:cxnSp>
+        <p:nvCxnSpPr>
+          <p:cNvPr id="3" name="Straight Arrow Connector 2"/>
+          <p:cNvCxnSpPr/>
+          <p:nvPr/>
+        </p:nvCxnSpPr>
+        <p:spPr>
+          <a:xfrm flipV="1">
+            <a:off x="1981200" y="1066800"/>
+            <a:ext cx="0" cy="3200400"/>
+          </a:xfrm>
+          <a:prstGeom prst="straightConnector1">
+            <a:avLst/>
+          </a:prstGeom>
+          <a:ln>
+            <a:solidFill>
+              <a:schemeClr val="tx1"/>
+            </a:solidFill>
+            <a:tailEnd type="none"/>
+          </a:ln>
+        </p:spPr>
+        <p:style>
+          <a:lnRef idx="1">
+            <a:schemeClr val="accent1"/>
+          </a:lnRef>
+          <a:fillRef idx="0">
+            <a:schemeClr val="accent1"/>
+          </a:fillRef>
+          <a:effectRef idx="0">
+            <a:schemeClr val="accent1"/>
+          </a:effectRef>
+          <a:fontRef idx="minor">
+            <a:schemeClr val="tx1"/>
+          </a:fontRef>
+        </p:style>
+      </p:cxnSp>
+      <p:cxnSp>
+        <p:nvCxnSpPr>
+          <p:cNvPr id="7" name="Straight Arrow Connector 6"/>
+          <p:cNvCxnSpPr/>
+          <p:nvPr/>
+        </p:nvCxnSpPr>
+        <p:spPr>
+          <a:xfrm flipV="1">
+            <a:off x="1371600" y="2143125"/>
+            <a:ext cx="1945481" cy="428625"/>
+          </a:xfrm>
+          <a:prstGeom prst="straightConnector1">
+            <a:avLst/>
+          </a:prstGeom>
+          <a:ln>
+            <a:solidFill>
+              <a:schemeClr val="tx1"/>
+            </a:solidFill>
+            <a:tailEnd type="arrow"/>
+          </a:ln>
+        </p:spPr>
+        <p:style>
+          <a:lnRef idx="1">
+            <a:schemeClr val="accent1"/>
+          </a:lnRef>
+          <a:fillRef idx="0">
+            <a:schemeClr val="accent1"/>
+          </a:fillRef>
+          <a:effectRef idx="0">
+            <a:schemeClr val="accent1"/>
+          </a:effectRef>
+          <a:fontRef idx="minor">
+            <a:schemeClr val="tx1"/>
+          </a:fontRef>
+        </p:style>
+      </p:cxnSp>
+      <p:cxnSp>
+        <p:nvCxnSpPr>
+          <p:cNvPr id="11" name="Straight Arrow Connector 10"/>
+          <p:cNvCxnSpPr/>
+          <p:nvPr/>
+        </p:nvCxnSpPr>
+        <p:spPr>
+          <a:xfrm>
+            <a:off x="1371600" y="2571750"/>
+            <a:ext cx="609600" cy="1390650"/>
+          </a:xfrm>
+          <a:prstGeom prst="straightConnector1">
+            <a:avLst/>
+          </a:prstGeom>
+          <a:ln>
+            <a:solidFill>
+              <a:schemeClr val="tx1"/>
+            </a:solidFill>
+            <a:tailEnd type="arrow"/>
+          </a:ln>
+        </p:spPr>
+        <p:style>
+          <a:lnRef idx="1">
+            <a:schemeClr val="accent1"/>
+          </a:lnRef>
+          <a:fillRef idx="0">
+            <a:schemeClr val="accent1"/>
+          </a:fillRef>
+          <a:effectRef idx="0">
+            <a:schemeClr val="accent1"/>
+          </a:effectRef>
+          <a:fontRef idx="minor">
+            <a:schemeClr val="tx1"/>
+          </a:fontRef>
+        </p:style>
+      </p:cxnSp>
+      <p:cxnSp>
+        <p:nvCxnSpPr>
+          <p:cNvPr id="14" name="Straight Arrow Connector 13"/>
+          <p:cNvCxnSpPr/>
+          <p:nvPr/>
+        </p:nvCxnSpPr>
+        <p:spPr>
+          <a:xfrm>
+            <a:off x="3124200" y="1682750"/>
+            <a:ext cx="200025" cy="460375"/>
+          </a:xfrm>
+          <a:prstGeom prst="straightConnector1">
+            <a:avLst/>
+          </a:prstGeom>
+          <a:ln>
+            <a:solidFill>
+              <a:schemeClr val="tx1"/>
+            </a:solidFill>
+            <a:tailEnd type="arrow"/>
+          </a:ln>
+        </p:spPr>
+        <p:style>
+          <a:lnRef idx="1">
+            <a:schemeClr val="accent1"/>
+          </a:lnRef>
+          <a:fillRef idx="0">
+            <a:schemeClr val="accent1"/>
+          </a:fillRef>
+          <a:effectRef idx="0">
+            <a:schemeClr val="accent1"/>
+          </a:effectRef>
+          <a:fontRef idx="minor">
+            <a:schemeClr val="tx1"/>
+          </a:fontRef>
+        </p:style>
+      </p:cxnSp>
+      <p:cxnSp>
+        <p:nvCxnSpPr>
+          <p:cNvPr id="15" name="Straight Arrow Connector 14"/>
+          <p:cNvCxnSpPr/>
+          <p:nvPr/>
+        </p:nvCxnSpPr>
+        <p:spPr>
+          <a:xfrm>
+            <a:off x="3327400" y="2136775"/>
+            <a:ext cx="609600" cy="1390650"/>
+          </a:xfrm>
+          <a:prstGeom prst="straightConnector1">
+            <a:avLst/>
+          </a:prstGeom>
+          <a:ln>
+            <a:solidFill>
+              <a:schemeClr val="tx1"/>
+            </a:solidFill>
+            <a:prstDash val="dash"/>
+            <a:tailEnd type="arrow"/>
+          </a:ln>
+        </p:spPr>
+        <p:style>
+          <a:lnRef idx="1">
+            <a:schemeClr val="accent1"/>
+          </a:lnRef>
+          <a:fillRef idx="0">
+            <a:schemeClr val="accent1"/>
+          </a:fillRef>
+          <a:effectRef idx="0">
+            <a:schemeClr val="accent1"/>
+          </a:effectRef>
+          <a:fontRef idx="minor">
+            <a:schemeClr val="tx1"/>
+          </a:fontRef>
+        </p:style>
+      </p:cxnSp>
+      <p:sp>
+        <p:nvSpPr>
+          <p:cNvPr id="18" name="Oval 17"/>
+          <p:cNvSpPr/>
+          <p:nvPr/>
+        </p:nvSpPr>
+        <p:spPr>
+          <a:xfrm>
+            <a:off x="3102769" y="1647825"/>
+            <a:ext cx="45719" cy="45719"/>
+          </a:xfrm>
+          <a:prstGeom prst="ellipse">
+            <a:avLst/>
+          </a:prstGeom>
+          <a:solidFill>
+            <a:schemeClr val="tx1"/>
+          </a:solidFill>
+          <a:ln>
+            <a:noFill/>
+          </a:ln>
+        </p:spPr>
+        <p:style>
+          <a:lnRef idx="2">
+            <a:schemeClr val="accent1">
+              <a:shade val="50000"/>
+            </a:schemeClr>
+          </a:lnRef>
+          <a:fillRef idx="1">
+            <a:schemeClr val="accent1"/>
+          </a:fillRef>
+          <a:effectRef idx="0">
+            <a:schemeClr val="accent1"/>
+          </a:effectRef>
+          <a:fontRef idx="minor">
+            <a:schemeClr val="lt1"/>
+          </a:fontRef>
+        </p:style>
+        <p:txBody>
+          <a:bodyPr rtlCol="0" anchor="ctr"/>
+          <a:lstStyle/>
+          <a:p>
+            <a:pPr algn="ctr"/>
+            <a:endParaRPr lang="en-US"/>
+          </a:p>
+        </p:txBody>
+      </p:sp>
+      <p:sp>
+        <p:nvSpPr>
+          <p:cNvPr id="19" name="Oval 18"/>
+          <p:cNvSpPr/>
+          <p:nvPr/>
+        </p:nvSpPr>
+        <p:spPr>
+          <a:xfrm>
+            <a:off x="3298031" y="2126456"/>
+            <a:ext cx="45719" cy="45719"/>
+          </a:xfrm>
+          <a:prstGeom prst="ellipse">
+            <a:avLst/>
+          </a:prstGeom>
+          <a:solidFill>
+            <a:schemeClr val="tx1"/>
+          </a:solidFill>
+          <a:ln>
+            <a:noFill/>
+          </a:ln>
+        </p:spPr>
+        <p:style>
+          <a:lnRef idx="2">
+            <a:schemeClr val="accent1">
+              <a:shade val="50000"/>
+            </a:schemeClr>
+          </a:lnRef>
+          <a:fillRef idx="1">
+            <a:schemeClr val="accent1"/>
+          </a:fillRef>
+          <a:effectRef idx="0">
+            <a:schemeClr val="accent1"/>
+          </a:effectRef>
+          <a:fontRef idx="minor">
+            <a:schemeClr val="lt1"/>
+          </a:fontRef>
+        </p:style>
+        <p:txBody>
+          <a:bodyPr rtlCol="0" anchor="ctr"/>
+          <a:lstStyle/>
+          <a:p>
+            <a:pPr algn="ctr"/>
+            <a:endParaRPr lang="en-US"/>
+          </a:p>
+        </p:txBody>
+      </p:sp>
+      <p:sp>
+        <p:nvSpPr>
+          <p:cNvPr id="20" name="Oval 19"/>
+          <p:cNvSpPr/>
+          <p:nvPr/>
+        </p:nvSpPr>
+        <p:spPr>
+          <a:xfrm>
+            <a:off x="1957388" y="2238375"/>
+            <a:ext cx="45719" cy="45719"/>
+          </a:xfrm>
+          <a:prstGeom prst="ellipse">
+            <a:avLst/>
+          </a:prstGeom>
+          <a:solidFill>
+            <a:schemeClr val="tx1"/>
+          </a:solidFill>
+          <a:ln>
+            <a:noFill/>
+          </a:ln>
+        </p:spPr>
+        <p:style>
+          <a:lnRef idx="2">
+            <a:schemeClr val="accent1">
+              <a:shade val="50000"/>
+            </a:schemeClr>
+          </a:lnRef>
+          <a:fillRef idx="1">
+            <a:schemeClr val="accent1"/>
+          </a:fillRef>
+          <a:effectRef idx="0">
+            <a:schemeClr val="accent1"/>
+          </a:effectRef>
+          <a:fontRef idx="minor">
+            <a:schemeClr val="lt1"/>
+          </a:fontRef>
+        </p:style>
+        <p:txBody>
+          <a:bodyPr rtlCol="0" anchor="ctr"/>
+          <a:lstStyle/>
+          <a:p>
+            <a:pPr algn="ctr"/>
+            <a:endParaRPr lang="en-US"/>
+          </a:p>
+        </p:txBody>
+      </p:sp>
+      <p:sp>
+        <p:nvSpPr>
+          <p:cNvPr id="21" name="Oval 20"/>
+          <p:cNvSpPr/>
+          <p:nvPr/>
+        </p:nvSpPr>
+        <p:spPr>
+          <a:xfrm>
+            <a:off x="1957388" y="2412206"/>
+            <a:ext cx="45719" cy="45719"/>
+          </a:xfrm>
+          <a:prstGeom prst="ellipse">
+            <a:avLst/>
+          </a:prstGeom>
+          <a:solidFill>
+            <a:schemeClr val="tx1"/>
+          </a:solidFill>
+          <a:ln>
+            <a:noFill/>
+          </a:ln>
+        </p:spPr>
+        <p:style>
+          <a:lnRef idx="2">
+            <a:schemeClr val="accent1">
+              <a:shade val="50000"/>
+            </a:schemeClr>
+          </a:lnRef>
+          <a:fillRef idx="1">
+            <a:schemeClr val="accent1"/>
+          </a:fillRef>
+          <a:effectRef idx="0">
+            <a:schemeClr val="accent1"/>
+          </a:effectRef>
+          <a:fontRef idx="minor">
+            <a:schemeClr val="lt1"/>
+          </a:fontRef>
+        </p:style>
+        <p:txBody>
+          <a:bodyPr rtlCol="0" anchor="ctr"/>
+          <a:lstStyle/>
+          <a:p>
+            <a:pPr algn="ctr"/>
+            <a:endParaRPr lang="en-US"/>
+          </a:p>
+        </p:txBody>
+      </p:sp>
+      <p:sp>
+        <p:nvSpPr>
+          <p:cNvPr id="22" name="Oval 21"/>
+          <p:cNvSpPr/>
+          <p:nvPr/>
+        </p:nvSpPr>
+        <p:spPr>
+          <a:xfrm>
+            <a:off x="1959769" y="3938588"/>
+            <a:ext cx="45719" cy="45719"/>
+          </a:xfrm>
+          <a:prstGeom prst="ellipse">
+            <a:avLst/>
+          </a:prstGeom>
+          <a:solidFill>
+            <a:schemeClr val="tx1"/>
+          </a:solidFill>
+          <a:ln>
+            <a:noFill/>
+          </a:ln>
+        </p:spPr>
+        <p:style>
+          <a:lnRef idx="2">
+            <a:schemeClr val="accent1">
+              <a:shade val="50000"/>
+            </a:schemeClr>
+          </a:lnRef>
+          <a:fillRef idx="1">
+            <a:schemeClr val="accent1"/>
+          </a:fillRef>
+          <a:effectRef idx="0">
+            <a:schemeClr val="accent1"/>
+          </a:effectRef>
+          <a:fontRef idx="minor">
+            <a:schemeClr val="lt1"/>
+          </a:fontRef>
+        </p:style>
+        <p:txBody>
+          <a:bodyPr rtlCol="0" anchor="ctr"/>
+          <a:lstStyle/>
+          <a:p>
+            <a:pPr algn="ctr"/>
+            <a:endParaRPr lang="en-US"/>
+          </a:p>
+        </p:txBody>
+      </p:sp>
+      <mc:AlternateContent xmlns:mc="http://schemas.openxmlformats.org/markup-compatibility/2006" xmlns:a14="http://schemas.microsoft.com/office/drawing/2010/main">
+        <mc:Choice Requires="a14">
+          <p:sp>
+            <p:nvSpPr>
+              <p:cNvPr id="23" name="TextBox 22"/>
+              <p:cNvSpPr txBox="1"/>
+              <p:nvPr/>
+            </p:nvSpPr>
+            <p:spPr>
+              <a:xfrm>
+                <a:off x="1666874" y="1983340"/>
+                <a:ext cx="401199" cy="307777"/>
+              </a:xfrm>
+              <a:prstGeom prst="rect">
+                <a:avLst/>
+              </a:prstGeom>
+              <a:noFill/>
+            </p:spPr>
+            <p:txBody>
+              <a:bodyPr wrap="none" rtlCol="0">
+                <a:spAutoFit/>
+              </a:bodyPr>
+              <a:lstStyle/>
+              <a:p>
+                <a:pPr/>
+                <a14:m>
+                  <m:oMathPara xmlns:m="http://schemas.openxmlformats.org/officeDocument/2006/math">
+                    <m:oMathParaPr>
+                      <m:jc m:val="centerGroup"/>
+                    </m:oMathParaPr>
+                    <m:oMath xmlns:m="http://schemas.openxmlformats.org/officeDocument/2006/math">
+                      <m:sSub>
+                        <m:sSubPr>
+                          <m:ctrlPr>
+                            <a:rPr lang="en-US" sz="1400" b="0" i="1" smtClean="0">
+                              <a:latin typeface="Cambria Math"/>
+                            </a:rPr>
+                          </m:ctrlPr>
+                        </m:sSubPr>
+                        <m:e>
+                          <m:r>
+                            <a:rPr lang="en-US" sz="1400" b="0" i="1" smtClean="0">
+                              <a:latin typeface="Cambria Math"/>
+                            </a:rPr>
+                            <m:t>𝑝</m:t>
+                          </m:r>
+                        </m:e>
+                        <m:sub>
+                          <m:r>
+                            <a:rPr lang="en-US" sz="1400" b="0" i="1" smtClean="0">
+                              <a:latin typeface="Cambria Math"/>
+                            </a:rPr>
+                            <m:t>0</m:t>
+                          </m:r>
+                        </m:sub>
+                      </m:sSub>
+                    </m:oMath>
+                  </m:oMathPara>
+                </a14:m>
+                <a:endParaRPr lang="en-US" sz="1400" dirty="0"/>
+              </a:p>
+            </p:txBody>
+          </p:sp>
+        </mc:Choice>
+        <mc:Fallback xmlns="">
+          <p:sp>
+            <p:nvSpPr>
+              <p:cNvPr id="23" name="TextBox 22"/>
+              <p:cNvSpPr txBox="1">
+                <a:spLocks noRot="1" noChangeAspect="1" noMove="1" noResize="1" noEditPoints="1" noAdjustHandles="1" noChangeArrowheads="1" noChangeShapeType="1" noTextEdit="1"/>
+              </p:cNvSpPr>
+              <p:nvPr/>
+            </p:nvSpPr>
+            <p:spPr>
+              <a:xfrm>
+                <a:off x="1666874" y="1983340"/>
+                <a:ext cx="401199" cy="307777"/>
+              </a:xfrm>
+              <a:prstGeom prst="rect">
+                <a:avLst/>
+              </a:prstGeom>
+              <a:blipFill rotWithShape="1">
+                <a:blip r:embed="rId3"/>
+                <a:stretch>
+                  <a:fillRect/>
+                </a:stretch>
+              </a:blipFill>
+            </p:spPr>
+            <p:txBody>
+              <a:bodyPr/>
+              <a:lstStyle/>
+              <a:p>
+                <a:r>
+                  <a:rPr lang="en-US">
+                    <a:noFill/>
+                  </a:rPr>
+                  <a:t> </a:t>
+                </a:r>
+              </a:p>
+            </p:txBody>
+          </p:sp>
+        </mc:Fallback>
+      </mc:AlternateContent>
+      <mc:AlternateContent xmlns:mc="http://schemas.openxmlformats.org/markup-compatibility/2006" xmlns:a14="http://schemas.microsoft.com/office/drawing/2010/main">
+        <mc:Choice Requires="a14">
+          <p:sp>
+            <p:nvSpPr>
+              <p:cNvPr id="24" name="TextBox 23"/>
+              <p:cNvSpPr txBox="1"/>
+              <p:nvPr/>
+            </p:nvSpPr>
+            <p:spPr>
+              <a:xfrm>
+                <a:off x="3022426" y="1385767"/>
+                <a:ext cx="403572" cy="307777"/>
+              </a:xfrm>
+              <a:prstGeom prst="rect">
+                <a:avLst/>
+              </a:prstGeom>
+              <a:noFill/>
+            </p:spPr>
+            <p:txBody>
+              <a:bodyPr wrap="none" rtlCol="0">
+                <a:spAutoFit/>
+              </a:bodyPr>
+              <a:lstStyle/>
+              <a:p>
+                <a:pPr/>
+                <a14:m>
+                  <m:oMathPara xmlns:m="http://schemas.openxmlformats.org/officeDocument/2006/math">
+                    <m:oMathParaPr>
+                      <m:jc m:val="centerGroup"/>
+                    </m:oMathParaPr>
+                    <m:oMath xmlns:m="http://schemas.openxmlformats.org/officeDocument/2006/math">
+                      <m:sSub>
+                        <m:sSubPr>
+                          <m:ctrlPr>
+                            <a:rPr lang="en-US" sz="1400" b="0" i="1" smtClean="0">
+                              <a:latin typeface="Cambria Math"/>
+                            </a:rPr>
+                          </m:ctrlPr>
+                        </m:sSubPr>
+                        <m:e>
+                          <m:r>
+                            <a:rPr lang="en-US" sz="1400" b="0" i="1" smtClean="0">
+                              <a:latin typeface="Cambria Math"/>
+                            </a:rPr>
+                            <m:t>𝑣</m:t>
+                          </m:r>
+                        </m:e>
+                        <m:sub>
+                          <m:r>
+                            <a:rPr lang="en-US" sz="1400" b="0" i="1" smtClean="0">
+                              <a:latin typeface="Cambria Math"/>
+                            </a:rPr>
+                            <m:t>0</m:t>
+                          </m:r>
+                        </m:sub>
+                      </m:sSub>
+                    </m:oMath>
+                  </m:oMathPara>
+                </a14:m>
+                <a:endParaRPr lang="en-US" sz="1400" dirty="0"/>
+              </a:p>
+            </p:txBody>
+          </p:sp>
+        </mc:Choice>
+        <mc:Fallback xmlns="">
+          <p:sp>
+            <p:nvSpPr>
+              <p:cNvPr id="24" name="TextBox 23"/>
+              <p:cNvSpPr txBox="1">
+                <a:spLocks noRot="1" noChangeAspect="1" noMove="1" noResize="1" noEditPoints="1" noAdjustHandles="1" noChangeArrowheads="1" noChangeShapeType="1" noTextEdit="1"/>
+              </p:cNvSpPr>
+              <p:nvPr/>
+            </p:nvSpPr>
+            <p:spPr>
+              <a:xfrm>
+                <a:off x="3022426" y="1385767"/>
+                <a:ext cx="403572" cy="307777"/>
+              </a:xfrm>
+              <a:prstGeom prst="rect">
+                <a:avLst/>
+              </a:prstGeom>
+              <a:blipFill rotWithShape="1">
+                <a:blip r:embed="rId4"/>
+                <a:stretch>
+                  <a:fillRect/>
+                </a:stretch>
+              </a:blipFill>
+            </p:spPr>
+            <p:txBody>
+              <a:bodyPr/>
+              <a:lstStyle/>
+              <a:p>
+                <a:r>
+                  <a:rPr lang="en-US">
+                    <a:noFill/>
+                  </a:rPr>
+                  <a:t> </a:t>
+                </a:r>
+              </a:p>
+            </p:txBody>
+          </p:sp>
+        </mc:Fallback>
+      </mc:AlternateContent>
+      <mc:AlternateContent xmlns:mc="http://schemas.openxmlformats.org/markup-compatibility/2006" xmlns:a14="http://schemas.microsoft.com/office/drawing/2010/main">
+        <mc:Choice Requires="a14">
+          <p:sp>
+            <p:nvSpPr>
+              <p:cNvPr id="25" name="TextBox 24"/>
+              <p:cNvSpPr txBox="1"/>
+              <p:nvPr/>
+            </p:nvSpPr>
+            <p:spPr>
+              <a:xfrm>
+                <a:off x="3257549" y="1933454"/>
+                <a:ext cx="403572" cy="307777"/>
+              </a:xfrm>
+              <a:prstGeom prst="rect">
+                <a:avLst/>
+              </a:prstGeom>
+              <a:noFill/>
+            </p:spPr>
+            <p:txBody>
+              <a:bodyPr wrap="none" rtlCol="0">
+                <a:spAutoFit/>
+              </a:bodyPr>
+              <a:lstStyle/>
+              <a:p>
+                <a:pPr/>
+                <a14:m>
+                  <m:oMathPara xmlns:m="http://schemas.openxmlformats.org/officeDocument/2006/math">
+                    <m:oMathParaPr>
+                      <m:jc m:val="centerGroup"/>
+                    </m:oMathParaPr>
+                    <m:oMath xmlns:m="http://schemas.openxmlformats.org/officeDocument/2006/math">
+                      <m:sSub>
+                        <m:sSubPr>
+                          <m:ctrlPr>
+                            <a:rPr lang="en-US" sz="1400" b="0" i="1" smtClean="0">
+                              <a:latin typeface="Cambria Math"/>
+                            </a:rPr>
+                          </m:ctrlPr>
+                        </m:sSubPr>
+                        <m:e>
+                          <m:r>
+                            <a:rPr lang="en-US" sz="1400" b="0" i="1" smtClean="0">
+                              <a:latin typeface="Cambria Math"/>
+                            </a:rPr>
+                            <m:t>𝑣</m:t>
+                          </m:r>
+                        </m:e>
+                        <m:sub>
+                          <m:r>
+                            <a:rPr lang="en-US" sz="1400" b="0" i="1" smtClean="0">
+                              <a:latin typeface="Cambria Math"/>
+                            </a:rPr>
+                            <m:t>1</m:t>
+                          </m:r>
+                        </m:sub>
+                      </m:sSub>
+                    </m:oMath>
+                  </m:oMathPara>
+                </a14:m>
+                <a:endParaRPr lang="en-US" sz="1400" dirty="0"/>
+              </a:p>
+            </p:txBody>
+          </p:sp>
+        </mc:Choice>
+        <mc:Fallback xmlns="">
+          <p:sp>
+            <p:nvSpPr>
+              <p:cNvPr id="25" name="TextBox 24"/>
+              <p:cNvSpPr txBox="1">
+                <a:spLocks noRot="1" noChangeAspect="1" noMove="1" noResize="1" noEditPoints="1" noAdjustHandles="1" noChangeArrowheads="1" noChangeShapeType="1" noTextEdit="1"/>
+              </p:cNvSpPr>
+              <p:nvPr/>
+            </p:nvSpPr>
+            <p:spPr>
+              <a:xfrm>
+                <a:off x="3257549" y="1933454"/>
+                <a:ext cx="403572" cy="307777"/>
+              </a:xfrm>
+              <a:prstGeom prst="rect">
+                <a:avLst/>
+              </a:prstGeom>
+              <a:blipFill rotWithShape="1">
+                <a:blip r:embed="rId5"/>
+                <a:stretch>
+                  <a:fillRect/>
+                </a:stretch>
+              </a:blipFill>
+            </p:spPr>
+            <p:txBody>
+              <a:bodyPr/>
+              <a:lstStyle/>
+              <a:p>
+                <a:r>
+                  <a:rPr lang="en-US">
+                    <a:noFill/>
+                  </a:rPr>
+                  <a:t> </a:t>
+                </a:r>
+              </a:p>
+            </p:txBody>
+          </p:sp>
+        </mc:Fallback>
+      </mc:AlternateContent>
+      <mc:AlternateContent xmlns:mc="http://schemas.openxmlformats.org/markup-compatibility/2006" xmlns:a14="http://schemas.microsoft.com/office/drawing/2010/main">
+        <mc:Choice Requires="a14">
+          <p:sp>
+            <p:nvSpPr>
+              <p:cNvPr id="27" name="TextBox 26"/>
+              <p:cNvSpPr txBox="1"/>
+              <p:nvPr/>
+            </p:nvSpPr>
+            <p:spPr>
+              <a:xfrm>
+                <a:off x="1646675" y="3814763"/>
+                <a:ext cx="401199" cy="307777"/>
+              </a:xfrm>
+              <a:prstGeom prst="rect">
+                <a:avLst/>
+              </a:prstGeom>
+              <a:noFill/>
+            </p:spPr>
+            <p:txBody>
+              <a:bodyPr wrap="none" rtlCol="0">
+                <a:spAutoFit/>
+              </a:bodyPr>
+              <a:lstStyle/>
+              <a:p>
+                <a:pPr/>
+                <a14:m>
+                  <m:oMathPara xmlns:m="http://schemas.openxmlformats.org/officeDocument/2006/math">
+                    <m:oMathParaPr>
+                      <m:jc m:val="centerGroup"/>
+                    </m:oMathParaPr>
+                    <m:oMath xmlns:m="http://schemas.openxmlformats.org/officeDocument/2006/math">
+                      <m:sSub>
+                        <m:sSubPr>
+                          <m:ctrlPr>
+                            <a:rPr lang="en-US" sz="1400" b="0" i="1" smtClean="0">
+                              <a:latin typeface="Cambria Math"/>
+                            </a:rPr>
+                          </m:ctrlPr>
+                        </m:sSubPr>
+                        <m:e>
+                          <m:r>
+                            <a:rPr lang="en-US" sz="1400" b="0" i="1" smtClean="0">
+                              <a:latin typeface="Cambria Math"/>
+                            </a:rPr>
+                            <m:t>𝑝</m:t>
+                          </m:r>
+                        </m:e>
+                        <m:sub>
+                          <m:r>
+                            <a:rPr lang="en-US" sz="1400" b="0" i="1" smtClean="0">
+                              <a:latin typeface="Cambria Math"/>
+                            </a:rPr>
+                            <m:t>𝑣</m:t>
+                          </m:r>
+                        </m:sub>
+                      </m:sSub>
+                    </m:oMath>
+                  </m:oMathPara>
+                </a14:m>
+                <a:endParaRPr lang="en-US" sz="1400" dirty="0"/>
+              </a:p>
+            </p:txBody>
+          </p:sp>
+        </mc:Choice>
+        <mc:Fallback xmlns="">
+          <p:sp>
+            <p:nvSpPr>
+              <p:cNvPr id="27" name="TextBox 26"/>
+              <p:cNvSpPr txBox="1">
+                <a:spLocks noRot="1" noChangeAspect="1" noMove="1" noResize="1" noEditPoints="1" noAdjustHandles="1" noChangeArrowheads="1" noChangeShapeType="1" noTextEdit="1"/>
+              </p:cNvSpPr>
+              <p:nvPr/>
+            </p:nvSpPr>
+            <p:spPr>
+              <a:xfrm>
+                <a:off x="1646675" y="3814763"/>
+                <a:ext cx="401199" cy="307777"/>
+              </a:xfrm>
+              <a:prstGeom prst="rect">
+                <a:avLst/>
+              </a:prstGeom>
+              <a:blipFill rotWithShape="1">
+                <a:blip r:embed="rId6"/>
+                <a:stretch>
+                  <a:fillRect b="-2000"/>
+                </a:stretch>
+              </a:blipFill>
+            </p:spPr>
+            <p:txBody>
+              <a:bodyPr/>
+              <a:lstStyle/>
+              <a:p>
+                <a:r>
+                  <a:rPr lang="en-US">
+                    <a:noFill/>
+                  </a:rPr>
+                  <a:t> </a:t>
+                </a:r>
+              </a:p>
+            </p:txBody>
+          </p:sp>
+        </mc:Fallback>
+      </mc:AlternateContent>
+      <p:cxnSp>
+        <p:nvCxnSpPr>
+          <p:cNvPr id="29" name="Straight Arrow Connector 28"/>
+          <p:cNvCxnSpPr/>
+          <p:nvPr/>
+        </p:nvCxnSpPr>
+        <p:spPr>
+          <a:xfrm>
+            <a:off x="1371600" y="1447800"/>
+            <a:ext cx="608647" cy="0"/>
+          </a:xfrm>
+          <a:prstGeom prst="straightConnector1">
+            <a:avLst/>
+          </a:prstGeom>
+          <a:ln>
+            <a:solidFill>
+              <a:schemeClr val="tx1"/>
+            </a:solidFill>
+            <a:headEnd type="arrow"/>
+            <a:tailEnd type="arrow"/>
+          </a:ln>
+        </p:spPr>
+        <p:style>
+          <a:lnRef idx="1">
+            <a:schemeClr val="accent1"/>
+          </a:lnRef>
+          <a:fillRef idx="0">
+            <a:schemeClr val="accent1"/>
+          </a:fillRef>
+          <a:effectRef idx="0">
+            <a:schemeClr val="accent1"/>
+          </a:effectRef>
+          <a:fontRef idx="minor">
+            <a:schemeClr val="tx1"/>
+          </a:fontRef>
+        </p:style>
+      </p:cxnSp>
+      <mc:AlternateContent xmlns:mc="http://schemas.openxmlformats.org/markup-compatibility/2006" xmlns:a14="http://schemas.microsoft.com/office/drawing/2010/main">
+        <mc:Choice Requires="a14">
+          <p:sp>
+            <p:nvSpPr>
+              <p:cNvPr id="30" name="TextBox 29"/>
+              <p:cNvSpPr txBox="1"/>
+              <p:nvPr/>
+            </p:nvSpPr>
+            <p:spPr>
+              <a:xfrm>
+                <a:off x="1538087" y="1390529"/>
+                <a:ext cx="329386" cy="307777"/>
+              </a:xfrm>
+              <a:prstGeom prst="rect">
+                <a:avLst/>
+              </a:prstGeom>
+              <a:noFill/>
+            </p:spPr>
+            <p:txBody>
+              <a:bodyPr wrap="none" rtlCol="0">
+                <a:spAutoFit/>
+              </a:bodyPr>
+              <a:lstStyle/>
+              <a:p>
+                <a:pPr/>
+                <a14:m>
+                  <m:oMathPara xmlns:m="http://schemas.openxmlformats.org/officeDocument/2006/math">
+                    <m:oMathParaPr>
+                      <m:jc m:val="centerGroup"/>
+                    </m:oMathParaPr>
+                    <m:oMath xmlns:m="http://schemas.openxmlformats.org/officeDocument/2006/math">
+                      <m:r>
+                        <a:rPr lang="en-US" sz="1400" b="0" i="1" smtClean="0">
+                          <a:latin typeface="Cambria Math"/>
+                        </a:rPr>
+                        <m:t>𝑓</m:t>
+                      </m:r>
+                    </m:oMath>
+                  </m:oMathPara>
+                </a14:m>
+                <a:endParaRPr lang="en-US" sz="1400" dirty="0"/>
+              </a:p>
+            </p:txBody>
+          </p:sp>
+        </mc:Choice>
+        <mc:Fallback xmlns="">
+          <p:sp>
+            <p:nvSpPr>
+              <p:cNvPr id="30" name="TextBox 29"/>
+              <p:cNvSpPr txBox="1">
+                <a:spLocks noRot="1" noChangeAspect="1" noMove="1" noResize="1" noEditPoints="1" noAdjustHandles="1" noChangeArrowheads="1" noChangeShapeType="1" noTextEdit="1"/>
+              </p:cNvSpPr>
+              <p:nvPr/>
+            </p:nvSpPr>
+            <p:spPr>
+              <a:xfrm>
+                <a:off x="1538087" y="1390529"/>
+                <a:ext cx="329386" cy="307777"/>
+              </a:xfrm>
+              <a:prstGeom prst="rect">
+                <a:avLst/>
+              </a:prstGeom>
+              <a:blipFill rotWithShape="1">
+                <a:blip r:embed="rId7"/>
+                <a:stretch>
+                  <a:fillRect b="-5882"/>
+                </a:stretch>
+              </a:blipFill>
+            </p:spPr>
+            <p:txBody>
+              <a:bodyPr/>
+              <a:lstStyle/>
+              <a:p>
+                <a:r>
+                  <a:rPr lang="en-US">
+                    <a:noFill/>
+                  </a:rPr>
+                  <a:t> </a:t>
+                </a:r>
+              </a:p>
+            </p:txBody>
+          </p:sp>
+        </mc:Fallback>
+      </mc:AlternateContent>
+      <p:cxnSp>
+        <p:nvCxnSpPr>
+          <p:cNvPr id="31" name="Straight Arrow Connector 30"/>
+          <p:cNvCxnSpPr/>
+          <p:nvPr/>
+        </p:nvCxnSpPr>
+        <p:spPr>
+          <a:xfrm>
+            <a:off x="1371600" y="1219200"/>
+            <a:ext cx="1747838" cy="0"/>
+          </a:xfrm>
+          <a:prstGeom prst="straightConnector1">
+            <a:avLst/>
+          </a:prstGeom>
+          <a:ln>
+            <a:solidFill>
+              <a:schemeClr val="tx1"/>
+            </a:solidFill>
+            <a:headEnd type="arrow"/>
+            <a:tailEnd type="arrow"/>
+          </a:ln>
+        </p:spPr>
+        <p:style>
+          <a:lnRef idx="1">
+            <a:schemeClr val="accent1"/>
+          </a:lnRef>
+          <a:fillRef idx="0">
+            <a:schemeClr val="accent1"/>
+          </a:fillRef>
+          <a:effectRef idx="0">
+            <a:schemeClr val="accent1"/>
+          </a:effectRef>
+          <a:fontRef idx="minor">
+            <a:schemeClr val="tx1"/>
+          </a:fontRef>
+        </p:style>
+      </p:cxnSp>
+      <mc:AlternateContent xmlns:mc="http://schemas.openxmlformats.org/markup-compatibility/2006" xmlns:a14="http://schemas.microsoft.com/office/drawing/2010/main">
+        <mc:Choice Requires="a14">
+          <p:sp>
+            <p:nvSpPr>
+              <p:cNvPr id="33" name="TextBox 32"/>
+              <p:cNvSpPr txBox="1"/>
+              <p:nvPr/>
+            </p:nvSpPr>
+            <p:spPr>
+              <a:xfrm>
+                <a:off x="2052637" y="1137561"/>
+                <a:ext cx="617477" cy="329001"/>
+              </a:xfrm>
+              <a:prstGeom prst="rect">
+                <a:avLst/>
+              </a:prstGeom>
+              <a:noFill/>
+            </p:spPr>
+            <p:txBody>
+              <a:bodyPr wrap="none" rtlCol="0">
+                <a:spAutoFit/>
+              </a:bodyPr>
+              <a:lstStyle/>
+              <a:p>
+                <a:pPr/>
+                <a14:m>
+                  <m:oMathPara xmlns:m="http://schemas.openxmlformats.org/officeDocument/2006/math">
+                    <m:oMathParaPr>
+                      <m:jc m:val="centerGroup"/>
+                    </m:oMathParaPr>
+                    <m:oMath xmlns:m="http://schemas.openxmlformats.org/officeDocument/2006/math">
+                      <m:sSub>
+                        <m:sSubPr>
+                          <m:ctrlPr>
+                            <a:rPr lang="en-US" sz="1400" b="0" i="1" smtClean="0">
+                              <a:latin typeface="Cambria Math"/>
+                            </a:rPr>
+                          </m:ctrlPr>
+                        </m:sSubPr>
+                        <m:e>
+                          <m:r>
+                            <a:rPr lang="en-US" sz="1400" b="0" i="1" smtClean="0">
+                              <a:latin typeface="Cambria Math"/>
+                            </a:rPr>
+                            <m:t>−</m:t>
+                          </m:r>
+                          <m:sSub>
+                            <m:sSubPr>
+                              <m:ctrlPr>
+                                <a:rPr lang="en-US" sz="1400" b="0" i="1" smtClean="0">
+                                  <a:latin typeface="Cambria Math"/>
+                                </a:rPr>
+                              </m:ctrlPr>
+                            </m:sSubPr>
+                            <m:e>
+                              <m:r>
+                                <a:rPr lang="en-US" sz="1400" b="0" i="1" smtClean="0">
+                                  <a:latin typeface="Cambria Math"/>
+                                </a:rPr>
+                                <m:t>𝑣</m:t>
+                              </m:r>
+                            </m:e>
+                            <m:sub>
+                              <m:r>
+                                <a:rPr lang="en-US" sz="1400" b="0" i="1" smtClean="0">
+                                  <a:latin typeface="Cambria Math"/>
+                                </a:rPr>
+                                <m:t>0</m:t>
+                              </m:r>
+                            </m:sub>
+                          </m:sSub>
+                        </m:e>
+                        <m:sub>
+                          <m:r>
+                            <a:rPr lang="en-US" sz="1400" b="0" i="1" smtClean="0">
+                              <a:latin typeface="Cambria Math"/>
+                            </a:rPr>
+                            <m:t>𝑧</m:t>
+                          </m:r>
+                        </m:sub>
+                      </m:sSub>
+                    </m:oMath>
+                  </m:oMathPara>
+                </a14:m>
+                <a:endParaRPr lang="en-US" sz="1400" dirty="0"/>
+              </a:p>
+            </p:txBody>
+          </p:sp>
+        </mc:Choice>
+        <mc:Fallback xmlns="">
+          <p:sp>
+            <p:nvSpPr>
+              <p:cNvPr id="33" name="TextBox 32"/>
+              <p:cNvSpPr txBox="1">
+                <a:spLocks noRot="1" noChangeAspect="1" noMove="1" noResize="1" noEditPoints="1" noAdjustHandles="1" noChangeArrowheads="1" noChangeShapeType="1" noTextEdit="1"/>
+              </p:cNvSpPr>
+              <p:nvPr/>
+            </p:nvSpPr>
+            <p:spPr>
+              <a:xfrm>
+                <a:off x="2052637" y="1137561"/>
+                <a:ext cx="617477" cy="329001"/>
+              </a:xfrm>
+              <a:prstGeom prst="rect">
+                <a:avLst/>
+              </a:prstGeom>
+              <a:blipFill rotWithShape="1">
+                <a:blip r:embed="rId8"/>
+                <a:stretch>
+                  <a:fillRect/>
+                </a:stretch>
+              </a:blipFill>
+            </p:spPr>
+            <p:txBody>
+              <a:bodyPr/>
+              <a:lstStyle/>
+              <a:p>
+                <a:r>
+                  <a:rPr lang="en-US">
+                    <a:noFill/>
+                  </a:rPr>
+                  <a:t> </a:t>
+                </a:r>
+              </a:p>
+            </p:txBody>
+          </p:sp>
+        </mc:Fallback>
+      </mc:AlternateContent>
+      <p:cxnSp>
+        <p:nvCxnSpPr>
+          <p:cNvPr id="36" name="Straight Arrow Connector 35"/>
+          <p:cNvCxnSpPr/>
+          <p:nvPr/>
+        </p:nvCxnSpPr>
+        <p:spPr>
+          <a:xfrm>
+            <a:off x="1982628" y="2258059"/>
+            <a:ext cx="71458" cy="164466"/>
+          </a:xfrm>
+          <a:prstGeom prst="straightConnector1">
+            <a:avLst/>
+          </a:prstGeom>
+          <a:ln>
+            <a:solidFill>
+              <a:schemeClr val="tx1"/>
+            </a:solidFill>
+            <a:tailEnd type="arrow"/>
+          </a:ln>
+        </p:spPr>
+        <p:style>
+          <a:lnRef idx="1">
+            <a:schemeClr val="accent1"/>
+          </a:lnRef>
+          <a:fillRef idx="0">
+            <a:schemeClr val="accent1"/>
+          </a:fillRef>
+          <a:effectRef idx="0">
+            <a:schemeClr val="accent1"/>
+          </a:effectRef>
+          <a:fontRef idx="minor">
+            <a:schemeClr val="tx1"/>
+          </a:fontRef>
+        </p:style>
+      </p:cxnSp>
+      <mc:AlternateContent xmlns:mc="http://schemas.openxmlformats.org/markup-compatibility/2006" xmlns:a14="http://schemas.microsoft.com/office/drawing/2010/main">
+        <mc:Choice Requires="a14">
+          <p:sp>
+            <p:nvSpPr>
+              <p:cNvPr id="38" name="TextBox 37"/>
+              <p:cNvSpPr txBox="1"/>
+              <p:nvPr/>
+            </p:nvSpPr>
+            <p:spPr>
+              <a:xfrm>
+                <a:off x="1081309" y="3048000"/>
+                <a:ext cx="643445" cy="591829"/>
+              </a:xfrm>
+              <a:prstGeom prst="rect">
+                <a:avLst/>
+              </a:prstGeom>
+              <a:noFill/>
+            </p:spPr>
+            <p:txBody>
+              <a:bodyPr wrap="none" rtlCol="0">
+                <a:spAutoFit/>
+              </a:bodyPr>
+              <a:lstStyle/>
+              <a:p>
+                <a:pPr/>
+                <a14:m>
+                  <m:oMathPara xmlns:m="http://schemas.openxmlformats.org/officeDocument/2006/math">
+                    <m:oMathParaPr>
+                      <m:jc m:val="centerGroup"/>
+                    </m:oMathParaPr>
+                    <m:oMath xmlns:m="http://schemas.openxmlformats.org/officeDocument/2006/math">
+                      <m:d>
+                        <m:dPr>
+                          <m:begChr m:val="["/>
+                          <m:endChr m:val="]"/>
+                          <m:ctrlPr>
+                            <a:rPr lang="en-US" sz="1200" i="1" smtClean="0">
+                              <a:latin typeface="Cambria Math"/>
+                            </a:rPr>
+                          </m:ctrlPr>
+                        </m:dPr>
+                        <m:e>
+                          <m:eqArr>
+                            <m:eqArrPr>
+                              <m:ctrlPr>
+                                <a:rPr lang="en-US" sz="1200" i="1" smtClean="0">
+                                  <a:latin typeface="Cambria Math"/>
+                                </a:rPr>
+                              </m:ctrlPr>
+                            </m:eqArrPr>
+                            <m:e>
+                              <m:m>
+                                <m:mPr>
+                                  <m:mcs>
+                                    <m:mc>
+                                      <m:mcPr>
+                                        <m:count m:val="1"/>
+                                        <m:mcJc m:val="center"/>
+                                      </m:mcPr>
+                                    </m:mc>
+                                  </m:mcs>
+                                  <m:ctrlPr>
+                                    <a:rPr lang="en-US" sz="1200" i="1" smtClean="0">
+                                      <a:latin typeface="Cambria Math"/>
+                                    </a:rPr>
+                                  </m:ctrlPr>
+                                </m:mPr>
+                                <m:mr>
+                                  <m:e>
+                                    <m:sSub>
+                                      <m:sSubPr>
+                                        <m:ctrlPr>
+                                          <a:rPr lang="en-US" sz="1200" b="0" i="1" smtClean="0">
+                                            <a:latin typeface="Cambria Math"/>
+                                          </a:rPr>
+                                        </m:ctrlPr>
+                                      </m:sSubPr>
+                                      <m:e>
+                                        <m:sSub>
+                                          <m:sSubPr>
+                                            <m:ctrlPr>
+                                              <a:rPr lang="en-US" sz="1200" b="0" i="1" smtClean="0">
+                                                <a:latin typeface="Cambria Math"/>
+                                              </a:rPr>
+                                            </m:ctrlPr>
+                                          </m:sSubPr>
+                                          <m:e>
+                                            <m:r>
+                                              <m:rPr>
+                                                <m:brk m:alnAt="7"/>
+                                              </m:rPr>
+                                              <a:rPr lang="en-US" sz="1200" b="0" i="1" smtClean="0">
+                                                <a:latin typeface="Cambria Math"/>
+                                              </a:rPr>
+                                              <m:t>𝑝</m:t>
+                                            </m:r>
+                                          </m:e>
+                                          <m:sub>
+                                            <m:r>
+                                              <m:rPr>
+                                                <m:brk m:alnAt="7"/>
+                                              </m:rPr>
+                                              <a:rPr lang="en-US" sz="1200" b="0" i="1" smtClean="0">
+                                                <a:latin typeface="Cambria Math"/>
+                                              </a:rPr>
+                                              <m:t>𝑣</m:t>
+                                            </m:r>
+                                          </m:sub>
+                                        </m:sSub>
+                                      </m:e>
+                                      <m:sub>
+                                        <m:r>
+                                          <m:rPr>
+                                            <m:brk m:alnAt="7"/>
+                                          </m:rPr>
+                                          <a:rPr lang="en-US" sz="1200" b="0" i="1" smtClean="0">
+                                            <a:latin typeface="Cambria Math"/>
+                                          </a:rPr>
+                                          <m:t>𝑥</m:t>
+                                        </m:r>
+                                      </m:sub>
+                                    </m:sSub>
+                                  </m:e>
+                                </m:mr>
+                                <m:mr>
+                                  <m:e>
+                                    <m:sSub>
+                                      <m:sSubPr>
+                                        <m:ctrlPr>
+                                          <a:rPr lang="en-US" sz="1200" b="0" i="1" smtClean="0">
+                                            <a:latin typeface="Cambria Math"/>
+                                          </a:rPr>
+                                        </m:ctrlPr>
+                                      </m:sSubPr>
+                                      <m:e>
+                                        <m:r>
+                                          <a:rPr lang="en-US" sz="1200" b="0" i="1" smtClean="0">
+                                            <a:latin typeface="Cambria Math"/>
+                                          </a:rPr>
+                                          <m:t>𝑝</m:t>
+                                        </m:r>
+                                      </m:e>
+                                      <m:sub>
+                                        <m:r>
+                                          <a:rPr lang="en-US" sz="1200" b="0" i="1" smtClean="0">
+                                            <a:latin typeface="Cambria Math"/>
+                                          </a:rPr>
+                                          <m:t>𝑣</m:t>
+                                        </m:r>
+                                      </m:sub>
+                                    </m:sSub>
+                                    <m:r>
+                                      <a:rPr lang="en-US" sz="1200" b="0" i="1" smtClean="0">
+                                        <a:latin typeface="Cambria Math"/>
+                                      </a:rPr>
+                                      <m:t>_</m:t>
+                                    </m:r>
+                                    <m:r>
+                                      <a:rPr lang="en-US" sz="1200" b="0" i="1" smtClean="0">
+                                        <a:latin typeface="Cambria Math"/>
+                                      </a:rPr>
+                                      <m:t>𝑦</m:t>
+                                    </m:r>
+                                  </m:e>
+                                </m:mr>
+                              </m:m>
+                            </m:e>
+                            <m:e>
+                              <m:r>
+                                <a:rPr lang="en-US" sz="1200" b="0" i="1" smtClean="0">
+                                  <a:latin typeface="Cambria Math"/>
+                                </a:rPr>
+                                <m:t>𝑓</m:t>
+                              </m:r>
+                            </m:e>
+                          </m:eqArr>
+                        </m:e>
+                      </m:d>
+                    </m:oMath>
+                  </m:oMathPara>
+                </a14:m>
+                <a:endParaRPr lang="en-US" sz="1200" dirty="0"/>
+              </a:p>
+            </p:txBody>
+          </p:sp>
+        </mc:Choice>
+        <mc:Fallback xmlns="">
+          <p:sp>
+            <p:nvSpPr>
+              <p:cNvPr id="38" name="TextBox 37"/>
+              <p:cNvSpPr txBox="1">
+                <a:spLocks noRot="1" noChangeAspect="1" noMove="1" noResize="1" noEditPoints="1" noAdjustHandles="1" noChangeArrowheads="1" noChangeShapeType="1" noTextEdit="1"/>
+              </p:cNvSpPr>
+              <p:nvPr/>
+            </p:nvSpPr>
+            <p:spPr>
+              <a:xfrm>
+                <a:off x="1081309" y="3048000"/>
+                <a:ext cx="643445" cy="591829"/>
+              </a:xfrm>
+              <a:prstGeom prst="rect">
+                <a:avLst/>
+              </a:prstGeom>
+              <a:blipFill rotWithShape="1">
+                <a:blip r:embed="rId9"/>
+                <a:stretch>
+                  <a:fillRect b="-3093"/>
+                </a:stretch>
+              </a:blipFill>
+            </p:spPr>
+            <p:txBody>
+              <a:bodyPr/>
+              <a:lstStyle/>
+              <a:p>
+                <a:r>
+                  <a:rPr lang="en-US">
+                    <a:noFill/>
+                  </a:rPr>
+                  <a:t> </a:t>
+                </a:r>
+              </a:p>
+            </p:txBody>
+          </p:sp>
+        </mc:Fallback>
+      </mc:AlternateContent>
+      <p:sp>
+        <p:nvSpPr>
+          <p:cNvPr id="39" name="Oval 38"/>
+          <p:cNvSpPr/>
+          <p:nvPr/>
+        </p:nvSpPr>
+        <p:spPr>
+          <a:xfrm>
+            <a:off x="1357313" y="2551906"/>
+            <a:ext cx="45719" cy="45719"/>
+          </a:xfrm>
+          <a:prstGeom prst="ellipse">
+            <a:avLst/>
+          </a:prstGeom>
+          <a:solidFill>
+            <a:schemeClr val="tx1"/>
+          </a:solidFill>
+          <a:ln>
+            <a:noFill/>
+          </a:ln>
+        </p:spPr>
+        <p:style>
+          <a:lnRef idx="2">
+            <a:schemeClr val="accent1">
+              <a:shade val="50000"/>
+            </a:schemeClr>
+          </a:lnRef>
+          <a:fillRef idx="1">
+            <a:schemeClr val="accent1"/>
+          </a:fillRef>
+          <a:effectRef idx="0">
+            <a:schemeClr val="accent1"/>
+          </a:effectRef>
+          <a:fontRef idx="minor">
+            <a:schemeClr val="lt1"/>
+          </a:fontRef>
+        </p:style>
+        <p:txBody>
+          <a:bodyPr rtlCol="0" anchor="ctr"/>
+          <a:lstStyle/>
+          <a:p>
+            <a:pPr algn="ctr"/>
+            <a:endParaRPr lang="en-US"/>
+          </a:p>
+        </p:txBody>
+      </p:sp>
+      <mc:AlternateContent xmlns:mc="http://schemas.openxmlformats.org/markup-compatibility/2006" xmlns:a14="http://schemas.microsoft.com/office/drawing/2010/main">
+        <mc:Choice Requires="a14">
+          <p:sp>
+            <p:nvSpPr>
+              <p:cNvPr id="40" name="TextBox 39"/>
+              <p:cNvSpPr txBox="1"/>
+              <p:nvPr/>
+            </p:nvSpPr>
+            <p:spPr>
+              <a:xfrm>
+                <a:off x="2133600" y="2561599"/>
+                <a:ext cx="1407628" cy="591829"/>
+              </a:xfrm>
+              <a:prstGeom prst="rect">
+                <a:avLst/>
+              </a:prstGeom>
+              <a:noFill/>
+            </p:spPr>
+            <p:txBody>
+              <a:bodyPr wrap="none" rtlCol="0">
+                <a:spAutoFit/>
+              </a:bodyPr>
+              <a:lstStyle/>
+              <a:p>
+                <a:pPr/>
+                <a14:m>
+                  <m:oMathPara xmlns:m="http://schemas.openxmlformats.org/officeDocument/2006/math">
+                    <m:oMathParaPr>
+                      <m:jc m:val="centerGroup"/>
+                    </m:oMathParaPr>
+                    <m:oMath xmlns:m="http://schemas.openxmlformats.org/officeDocument/2006/math">
+                      <m:d>
+                        <m:dPr>
+                          <m:begChr m:val="["/>
+                          <m:endChr m:val="]"/>
+                          <m:ctrlPr>
+                            <a:rPr lang="en-US" sz="1200" i="1" smtClean="0">
+                              <a:latin typeface="Cambria Math"/>
+                            </a:rPr>
+                          </m:ctrlPr>
+                        </m:dPr>
+                        <m:e>
+                          <m:eqArr>
+                            <m:eqArrPr>
+                              <m:ctrlPr>
+                                <a:rPr lang="en-US" sz="1200" i="1" smtClean="0">
+                                  <a:latin typeface="Cambria Math"/>
+                                </a:rPr>
+                              </m:ctrlPr>
+                            </m:eqArrPr>
+                            <m:e>
+                              <m:m>
+                                <m:mPr>
+                                  <m:mcs>
+                                    <m:mc>
+                                      <m:mcPr>
+                                        <m:count m:val="1"/>
+                                        <m:mcJc m:val="center"/>
+                                      </m:mcPr>
+                                    </m:mc>
+                                  </m:mcs>
+                                  <m:ctrlPr>
+                                    <a:rPr lang="en-US" sz="1200" i="1" smtClean="0">
+                                      <a:latin typeface="Cambria Math"/>
+                                    </a:rPr>
+                                  </m:ctrlPr>
+                                </m:mPr>
+                                <m:mr>
+                                  <m:e>
+                                    <m:sSub>
+                                      <m:sSubPr>
+                                        <m:ctrlPr>
+                                          <a:rPr lang="en-US" sz="1200" b="0" i="1" smtClean="0">
+                                            <a:latin typeface="Cambria Math"/>
+                                          </a:rPr>
+                                        </m:ctrlPr>
+                                      </m:sSubPr>
+                                      <m:e>
+                                        <m:sSub>
+                                          <m:sSubPr>
+                                            <m:ctrlPr>
+                                              <a:rPr lang="en-US" sz="1200" b="0" i="1" smtClean="0">
+                                                <a:latin typeface="Cambria Math"/>
+                                              </a:rPr>
+                                            </m:ctrlPr>
+                                          </m:sSubPr>
+                                          <m:e>
+                                            <m:r>
+                                              <m:rPr>
+                                                <m:brk m:alnAt="7"/>
+                                              </m:rPr>
+                                              <a:rPr lang="en-US" sz="1200" b="0" i="1" smtClean="0">
+                                                <a:latin typeface="Cambria Math"/>
+                                              </a:rPr>
+                                              <m:t>𝑝</m:t>
+                                            </m:r>
+                                          </m:e>
+                                          <m:sub>
+                                            <m:r>
+                                              <m:rPr>
+                                                <m:brk m:alnAt="7"/>
+                                              </m:rPr>
+                                              <a:rPr lang="en-US" sz="1200" b="0" i="1" smtClean="0">
+                                                <a:latin typeface="Cambria Math"/>
+                                              </a:rPr>
+                                              <m:t>𝑣</m:t>
+                                            </m:r>
+                                          </m:sub>
+                                        </m:sSub>
+                                      </m:e>
+                                      <m:sub>
+                                        <m:r>
+                                          <m:rPr>
+                                            <m:brk m:alnAt="7"/>
+                                          </m:rPr>
+                                          <a:rPr lang="en-US" sz="1200" b="0" i="1" smtClean="0">
+                                            <a:latin typeface="Cambria Math"/>
+                                          </a:rPr>
+                                          <m:t>𝑥</m:t>
+                                        </m:r>
+                                      </m:sub>
+                                    </m:sSub>
+                                  </m:e>
+                                </m:mr>
+                                <m:mr>
+                                  <m:e>
+                                    <m:sSub>
+                                      <m:sSubPr>
+                                        <m:ctrlPr>
+                                          <a:rPr lang="en-US" sz="1200" b="0" i="1" smtClean="0">
+                                            <a:latin typeface="Cambria Math"/>
+                                          </a:rPr>
+                                        </m:ctrlPr>
+                                      </m:sSubPr>
+                                      <m:e>
+                                        <m:r>
+                                          <a:rPr lang="en-US" sz="1200" b="0" i="1" smtClean="0">
+                                            <a:latin typeface="Cambria Math"/>
+                                          </a:rPr>
+                                          <m:t>𝑝</m:t>
+                                        </m:r>
+                                      </m:e>
+                                      <m:sub>
+                                        <m:r>
+                                          <a:rPr lang="en-US" sz="1200" b="0" i="1" smtClean="0">
+                                            <a:latin typeface="Cambria Math"/>
+                                          </a:rPr>
+                                          <m:t>𝑣</m:t>
+                                        </m:r>
+                                      </m:sub>
+                                    </m:sSub>
+                                    <m:r>
+                                      <a:rPr lang="en-US" sz="1200" b="0" i="1" smtClean="0">
+                                        <a:latin typeface="Cambria Math"/>
+                                      </a:rPr>
+                                      <m:t>_</m:t>
+                                    </m:r>
+                                    <m:r>
+                                      <a:rPr lang="en-US" sz="1200" b="0" i="1" smtClean="0">
+                                        <a:latin typeface="Cambria Math"/>
+                                      </a:rPr>
+                                      <m:t>𝑦</m:t>
+                                    </m:r>
+                                  </m:e>
+                                </m:mr>
+                              </m:m>
+                            </m:e>
+                            <m:e>
+                              <m:r>
+                                <a:rPr lang="en-US" sz="1200" b="0" i="1" smtClean="0">
+                                  <a:latin typeface="Cambria Math"/>
+                                </a:rPr>
+                                <m:t>𝑓</m:t>
+                              </m:r>
+                            </m:e>
+                          </m:eqArr>
+                        </m:e>
+                      </m:d>
+                      <m:r>
+                        <a:rPr lang="en-US" sz="1200" b="0" i="1" smtClean="0">
+                          <a:latin typeface="Cambria Math"/>
+                        </a:rPr>
+                        <m:t>×</m:t>
+                      </m:r>
+                      <m:f>
+                        <m:fPr>
+                          <m:ctrlPr>
+                            <a:rPr lang="en-US" sz="1200" b="0" i="1" smtClean="0">
+                              <a:latin typeface="Cambria Math"/>
+                            </a:rPr>
+                          </m:ctrlPr>
+                        </m:fPr>
+                        <m:num>
+                          <m:d>
+                            <m:dPr>
+                              <m:begChr m:val="|"/>
+                              <m:endChr m:val="|"/>
+                              <m:ctrlPr>
+                                <a:rPr lang="en-US" sz="1200" b="0" i="1" smtClean="0">
+                                  <a:latin typeface="Cambria Math"/>
+                                </a:rPr>
+                              </m:ctrlPr>
+                            </m:dPr>
+                            <m:e>
+                              <m:sSub>
+                                <m:sSubPr>
+                                  <m:ctrlPr>
+                                    <a:rPr lang="en-US" sz="1200" b="0" i="1" smtClean="0">
+                                      <a:latin typeface="Cambria Math"/>
+                                    </a:rPr>
+                                  </m:ctrlPr>
+                                </m:sSubPr>
+                                <m:e>
+                                  <m:r>
+                                    <a:rPr lang="en-US" sz="1200" b="0" i="1" smtClean="0">
+                                      <a:latin typeface="Cambria Math"/>
+                                    </a:rPr>
+                                    <m:t>𝑝</m:t>
+                                  </m:r>
+                                </m:e>
+                                <m:sub>
+                                  <m:r>
+                                    <a:rPr lang="en-US" sz="1200" b="0" i="1" smtClean="0">
+                                      <a:latin typeface="Cambria Math"/>
+                                    </a:rPr>
+                                    <m:t>1</m:t>
+                                  </m:r>
+                                </m:sub>
+                              </m:sSub>
+                              <m:r>
+                                <a:rPr lang="en-US" sz="1200" b="0" i="1" smtClean="0">
+                                  <a:latin typeface="Cambria Math"/>
+                                </a:rPr>
+                                <m:t>−</m:t>
+                              </m:r>
+                              <m:sSub>
+                                <m:sSubPr>
+                                  <m:ctrlPr>
+                                    <a:rPr lang="en-US" sz="1200" b="0" i="1" smtClean="0">
+                                      <a:latin typeface="Cambria Math"/>
+                                    </a:rPr>
+                                  </m:ctrlPr>
+                                </m:sSubPr>
+                                <m:e>
+                                  <m:r>
+                                    <a:rPr lang="en-US" sz="1200" b="0" i="1" smtClean="0">
+                                      <a:latin typeface="Cambria Math"/>
+                                    </a:rPr>
+                                    <m:t>𝑝</m:t>
+                                  </m:r>
+                                </m:e>
+                                <m:sub>
+                                  <m:r>
+                                    <a:rPr lang="en-US" sz="1200" b="0" i="1" smtClean="0">
+                                      <a:latin typeface="Cambria Math"/>
+                                    </a:rPr>
+                                    <m:t>0</m:t>
+                                  </m:r>
+                                </m:sub>
+                              </m:sSub>
+                            </m:e>
+                          </m:d>
+                        </m:num>
+                        <m:den>
+                          <m:d>
+                            <m:dPr>
+                              <m:begChr m:val="|"/>
+                              <m:endChr m:val="|"/>
+                              <m:ctrlPr>
+                                <a:rPr lang="en-US" sz="1200" b="0" i="1" smtClean="0">
+                                  <a:latin typeface="Cambria Math"/>
+                                </a:rPr>
+                              </m:ctrlPr>
+                            </m:dPr>
+                            <m:e>
+                              <m:sSub>
+                                <m:sSubPr>
+                                  <m:ctrlPr>
+                                    <a:rPr lang="en-US" sz="1200" b="0" i="1" smtClean="0">
+                                      <a:latin typeface="Cambria Math"/>
+                                    </a:rPr>
+                                  </m:ctrlPr>
+                                </m:sSubPr>
+                                <m:e>
+                                  <m:r>
+                                    <a:rPr lang="en-US" sz="1200" b="0" i="1" smtClean="0">
+                                      <a:latin typeface="Cambria Math"/>
+                                    </a:rPr>
+                                    <m:t>𝑝</m:t>
+                                  </m:r>
+                                </m:e>
+                                <m:sub>
+                                  <m:r>
+                                    <a:rPr lang="en-US" sz="1200" b="0" i="1" smtClean="0">
+                                      <a:latin typeface="Cambria Math"/>
+                                    </a:rPr>
+                                    <m:t>𝑣</m:t>
+                                  </m:r>
+                                </m:sub>
+                              </m:sSub>
+                              <m:r>
+                                <a:rPr lang="en-US" sz="1200" b="0" i="1" smtClean="0">
+                                  <a:latin typeface="Cambria Math"/>
+                                </a:rPr>
+                                <m:t>−</m:t>
+                              </m:r>
+                              <m:sSub>
+                                <m:sSubPr>
+                                  <m:ctrlPr>
+                                    <a:rPr lang="en-US" sz="1200" b="0" i="1" smtClean="0">
+                                      <a:latin typeface="Cambria Math"/>
+                                    </a:rPr>
+                                  </m:ctrlPr>
+                                </m:sSubPr>
+                                <m:e>
+                                  <m:r>
+                                    <a:rPr lang="en-US" sz="1200" b="0" i="1" smtClean="0">
+                                      <a:latin typeface="Cambria Math"/>
+                                    </a:rPr>
+                                    <m:t>𝑝</m:t>
+                                  </m:r>
+                                </m:e>
+                                <m:sub>
+                                  <m:r>
+                                    <a:rPr lang="en-US" sz="1200" b="0" i="1" smtClean="0">
+                                      <a:latin typeface="Cambria Math"/>
+                                    </a:rPr>
+                                    <m:t>1</m:t>
+                                  </m:r>
+                                </m:sub>
+                              </m:sSub>
+                            </m:e>
+                          </m:d>
+                        </m:den>
+                      </m:f>
+                    </m:oMath>
+                  </m:oMathPara>
+                </a14:m>
+                <a:endParaRPr lang="en-US" sz="1200" dirty="0"/>
+              </a:p>
+            </p:txBody>
+          </p:sp>
+        </mc:Choice>
+        <mc:Fallback xmlns="">
+          <p:sp>
+            <p:nvSpPr>
+              <p:cNvPr id="40" name="TextBox 39"/>
+              <p:cNvSpPr txBox="1">
+                <a:spLocks noRot="1" noChangeAspect="1" noMove="1" noResize="1" noEditPoints="1" noAdjustHandles="1" noChangeArrowheads="1" noChangeShapeType="1" noTextEdit="1"/>
+              </p:cNvSpPr>
+              <p:nvPr/>
+            </p:nvSpPr>
+            <p:spPr>
+              <a:xfrm>
+                <a:off x="2133600" y="2561599"/>
+                <a:ext cx="1407628" cy="591829"/>
+              </a:xfrm>
+              <a:prstGeom prst="rect">
+                <a:avLst/>
+              </a:prstGeom>
+              <a:blipFill rotWithShape="1">
+                <a:blip r:embed="rId10"/>
+                <a:stretch>
+                  <a:fillRect b="-3093"/>
+                </a:stretch>
+              </a:blipFill>
+            </p:spPr>
+            <p:txBody>
+              <a:bodyPr/>
+              <a:lstStyle/>
+              <a:p>
+                <a:r>
+                  <a:rPr lang="en-US">
+                    <a:noFill/>
+                  </a:rPr>
+                  <a:t> </a:t>
+                </a:r>
+              </a:p>
+            </p:txBody>
+          </p:sp>
+        </mc:Fallback>
+      </mc:AlternateContent>
+      <p:sp>
+        <p:nvSpPr>
+          <p:cNvPr id="41" name="Freeform 40"/>
+          <p:cNvSpPr/>
+          <p:nvPr/>
+        </p:nvSpPr>
+        <p:spPr>
+          <a:xfrm>
+            <a:off x="2072640" y="2190165"/>
+            <a:ext cx="510540" cy="354915"/>
+          </a:xfrm>
+          <a:custGeom>
+            <a:avLst/>
+            <a:gdLst>
+              <a:gd name="connsiteX0" fmla="*/ 510540 w 510540"/>
+              <a:gd name="connsiteY0" fmla="*/ 354915 h 354915"/>
+              <a:gd name="connsiteX1" fmla="*/ 312420 w 510540"/>
+              <a:gd name="connsiteY1" fmla="*/ 12015 h 354915"/>
+              <a:gd name="connsiteX2" fmla="*/ 0 w 510540"/>
+              <a:gd name="connsiteY2" fmla="*/ 111075 h 354915"/>
+            </a:gdLst>
+            <a:ahLst/>
+            <a:cxnLst>
+              <a:cxn ang="0">
+                <a:pos x="connsiteX0" y="connsiteY0"/>
+              </a:cxn>
+              <a:cxn ang="0">
+                <a:pos x="connsiteX1" y="connsiteY1"/>
+              </a:cxn>
+              <a:cxn ang="0">
+                <a:pos x="connsiteX2" y="connsiteY2"/>
+              </a:cxn>
+            </a:cxnLst>
+            <a:rect l="l" t="t" r="r" b="b"/>
+            <a:pathLst>
+              <a:path w="510540" h="354915">
+                <a:moveTo>
+                  <a:pt x="510540" y="354915"/>
+                </a:moveTo>
+                <a:cubicBezTo>
+                  <a:pt x="454025" y="203785"/>
+                  <a:pt x="397510" y="52655"/>
+                  <a:pt x="312420" y="12015"/>
+                </a:cubicBezTo>
+                <a:cubicBezTo>
+                  <a:pt x="227330" y="-28625"/>
+                  <a:pt x="113665" y="41225"/>
+                  <a:pt x="0" y="111075"/>
+                </a:cubicBezTo>
+              </a:path>
+            </a:pathLst>
+          </a:custGeom>
+          <a:noFill/>
+          <a:ln w="9525">
+            <a:solidFill>
+              <a:schemeClr val="tx1"/>
+            </a:solidFill>
+          </a:ln>
+        </p:spPr>
+        <p:style>
+          <a:lnRef idx="2">
+            <a:schemeClr val="accent1">
+              <a:shade val="50000"/>
+            </a:schemeClr>
+          </a:lnRef>
+          <a:fillRef idx="1">
+            <a:schemeClr val="accent1"/>
+          </a:fillRef>
+          <a:effectRef idx="0">
+            <a:schemeClr val="accent1"/>
+          </a:effectRef>
+          <a:fontRef idx="minor">
+            <a:schemeClr val="lt1"/>
+          </a:fontRef>
+        </p:style>
+        <p:txBody>
+          <a:bodyPr rtlCol="0" anchor="ctr"/>
+          <a:lstStyle/>
+          <a:p>
+            <a:pPr algn="ctr"/>
+            <a:endParaRPr lang="en-US"/>
+          </a:p>
+        </p:txBody>
+      </p:sp>
+      <p:sp>
+        <p:nvSpPr>
+          <p:cNvPr id="28" name="TextBox 27"/>
+          <p:cNvSpPr txBox="1"/>
+          <p:nvPr/>
+        </p:nvSpPr>
+        <p:spPr>
+          <a:xfrm>
+            <a:off x="601696" y="2420876"/>
+            <a:ext cx="745269" cy="307777"/>
+          </a:xfrm>
+          <a:prstGeom prst="rect">
+            <a:avLst/>
+          </a:prstGeom>
+          <a:noFill/>
+        </p:spPr>
+        <p:txBody>
+          <a:bodyPr wrap="none" rtlCol="0">
+            <a:spAutoFit/>
+          </a:bodyPr>
+          <a:lstStyle/>
+          <a:p>
+            <a:r>
+              <a:rPr lang="en-US" sz="1400" dirty="0" smtClean="0"/>
+              <a:t>Camera</a:t>
+            </a:r>
+            <a:endParaRPr lang="en-US" sz="1400" dirty="0"/>
+          </a:p>
+        </p:txBody>
+      </p:sp>
+    </p:spTree>
+    <p:extLst>
+      <p:ext uri="{BB962C8B-B14F-4D97-AF65-F5344CB8AC3E}">
+        <p14:creationId xmlns:p14="http://schemas.microsoft.com/office/powerpoint/2010/main" val="1869454694"/>
+      </p:ext>
+    </p:extLst>
+  </p:cSld>
+  <p:clrMapOvr>
+    <a:masterClrMapping/>
+  </p:clrMapOvr>
+  <p:timing>
+    <p:tnLst>
+      <p:par>
+        <p:cTn id="1" dur="indefinite" restart="never" nodeType="tmRoot"/>
+      </p:par>
+    </p:tnLst>
+  </p:timing>
+</p:sld>
+</file>
+
+<file path=ppt/slides/slide3.xml><?xml version="1.0" encoding="utf-8"?>
+<p:sld xmlns:a="http://schemas.openxmlformats.org/drawingml/2006/main" xmlns:r="http://schemas.openxmlformats.org/officeDocument/2006/relationships" xmlns:p="http://schemas.openxmlformats.org/presentationml/2006/main">
+  <p:cSld>
+    <p:spTree>
+      <p:nvGrpSpPr>
+        <p:cNvPr id="1" name=""/>
+        <p:cNvGrpSpPr/>
+        <p:nvPr/>
+      </p:nvGrpSpPr>
+      <p:grpSpPr>
+        <a:xfrm>
+          <a:off x="0" y="0"/>
+          <a:ext cx="0" cy="0"/>
+          <a:chOff x="0" y="0"/>
+          <a:chExt cx="0" cy="0"/>
+        </a:xfrm>
+      </p:grpSpPr>
+      <p:sp>
+        <p:nvSpPr>
+          <p:cNvPr id="2" name="Freeform 1"/>
+          <p:cNvSpPr/>
+          <p:nvPr/>
+        </p:nvSpPr>
+        <p:spPr>
+          <a:xfrm>
+            <a:off x="5070764" y="646545"/>
+            <a:ext cx="1607127" cy="2050473"/>
+          </a:xfrm>
+          <a:custGeom>
+            <a:avLst/>
+            <a:gdLst>
+              <a:gd name="connsiteX0" fmla="*/ 0 w 1607127"/>
+              <a:gd name="connsiteY0" fmla="*/ 0 h 2050473"/>
+              <a:gd name="connsiteX1" fmla="*/ 0 w 1607127"/>
+              <a:gd name="connsiteY1" fmla="*/ 1570182 h 2050473"/>
+              <a:gd name="connsiteX2" fmla="*/ 1607127 w 1607127"/>
+              <a:gd name="connsiteY2" fmla="*/ 2050473 h 2050473"/>
+              <a:gd name="connsiteX3" fmla="*/ 0 w 1607127"/>
+              <a:gd name="connsiteY3" fmla="*/ 0 h 2050473"/>
+            </a:gdLst>
+            <a:ahLst/>
+            <a:cxnLst>
+              <a:cxn ang="0">
+                <a:pos x="connsiteX0" y="connsiteY0"/>
+              </a:cxn>
+              <a:cxn ang="0">
+                <a:pos x="connsiteX1" y="connsiteY1"/>
+              </a:cxn>
+              <a:cxn ang="0">
+                <a:pos x="connsiteX2" y="connsiteY2"/>
+              </a:cxn>
+              <a:cxn ang="0">
+                <a:pos x="connsiteX3" y="connsiteY3"/>
+              </a:cxn>
+            </a:cxnLst>
+            <a:rect l="l" t="t" r="r" b="b"/>
+            <a:pathLst>
+              <a:path w="1607127" h="2050473">
+                <a:moveTo>
+                  <a:pt x="0" y="0"/>
+                </a:moveTo>
+                <a:lnTo>
+                  <a:pt x="0" y="1570182"/>
+                </a:lnTo>
+                <a:lnTo>
+                  <a:pt x="1607127" y="2050473"/>
+                </a:lnTo>
+                <a:lnTo>
+                  <a:pt x="0" y="0"/>
+                </a:lnTo>
+                <a:close/>
+              </a:path>
+            </a:pathLst>
+          </a:custGeom>
+          <a:solidFill>
+            <a:schemeClr val="bg1"/>
+          </a:solidFill>
+          <a:ln w="9525">
+            <a:solidFill>
+              <a:schemeClr val="tx1"/>
+            </a:solidFill>
+          </a:ln>
+        </p:spPr>
+        <p:style>
+          <a:lnRef idx="2">
+            <a:schemeClr val="accent1">
+              <a:shade val="50000"/>
+            </a:schemeClr>
+          </a:lnRef>
+          <a:fillRef idx="1">
+            <a:schemeClr val="accent1"/>
+          </a:fillRef>
+          <a:effectRef idx="0">
+            <a:schemeClr val="accent1"/>
+          </a:effectRef>
+          <a:fontRef idx="minor">
+            <a:schemeClr val="lt1"/>
+          </a:fontRef>
+        </p:style>
+        <p:txBody>
+          <a:bodyPr rtlCol="0" anchor="ctr"/>
+          <a:lstStyle/>
+          <a:p>
+            <a:pPr algn="ctr"/>
+            <a:endParaRPr lang="en-US"/>
+          </a:p>
+        </p:txBody>
+      </p:sp>
+      <p:sp>
+        <p:nvSpPr>
+          <p:cNvPr id="3" name="Parallelogram 2"/>
+          <p:cNvSpPr/>
+          <p:nvPr/>
+        </p:nvSpPr>
+        <p:spPr>
+          <a:xfrm rot="16200000">
+            <a:off x="3695700" y="2019300"/>
+            <a:ext cx="2362200" cy="2286000"/>
+          </a:xfrm>
+          <a:prstGeom prst="parallelogram">
+            <a:avLst>
+              <a:gd name="adj" fmla="val 31869"/>
+            </a:avLst>
+          </a:prstGeom>
+          <a:noFill/>
+          <a:ln w="9525">
+            <a:solidFill>
+              <a:schemeClr val="tx1"/>
+            </a:solidFill>
+          </a:ln>
+        </p:spPr>
+        <p:style>
+          <a:lnRef idx="2">
+            <a:schemeClr val="accent1">
+              <a:shade val="50000"/>
+            </a:schemeClr>
+          </a:lnRef>
+          <a:fillRef idx="1">
+            <a:schemeClr val="accent1"/>
+          </a:fillRef>
+          <a:effectRef idx="0">
+            <a:schemeClr val="accent1"/>
+          </a:effectRef>
+          <a:fontRef idx="minor">
+            <a:schemeClr val="lt1"/>
+          </a:fontRef>
+        </p:style>
+        <p:txBody>
+          <a:bodyPr rtlCol="0" anchor="ctr"/>
+          <a:lstStyle/>
+          <a:p>
+            <a:pPr algn="ctr"/>
+            <a:endParaRPr lang="en-US"/>
+          </a:p>
+        </p:txBody>
+      </p:sp>
+      <p:sp>
+        <p:nvSpPr>
+          <p:cNvPr id="4" name="Freeform 3"/>
+          <p:cNvSpPr/>
+          <p:nvPr/>
+        </p:nvSpPr>
+        <p:spPr>
+          <a:xfrm>
+            <a:off x="4276438" y="2590800"/>
+            <a:ext cx="803564" cy="1025237"/>
+          </a:xfrm>
+          <a:custGeom>
+            <a:avLst/>
+            <a:gdLst>
+              <a:gd name="connsiteX0" fmla="*/ 0 w 1607127"/>
+              <a:gd name="connsiteY0" fmla="*/ 0 h 2050473"/>
+              <a:gd name="connsiteX1" fmla="*/ 0 w 1607127"/>
+              <a:gd name="connsiteY1" fmla="*/ 1570182 h 2050473"/>
+              <a:gd name="connsiteX2" fmla="*/ 1607127 w 1607127"/>
+              <a:gd name="connsiteY2" fmla="*/ 2050473 h 2050473"/>
+              <a:gd name="connsiteX3" fmla="*/ 0 w 1607127"/>
+              <a:gd name="connsiteY3" fmla="*/ 0 h 2050473"/>
+            </a:gdLst>
+            <a:ahLst/>
+            <a:cxnLst>
+              <a:cxn ang="0">
+                <a:pos x="connsiteX0" y="connsiteY0"/>
+              </a:cxn>
+              <a:cxn ang="0">
+                <a:pos x="connsiteX1" y="connsiteY1"/>
+              </a:cxn>
+              <a:cxn ang="0">
+                <a:pos x="connsiteX2" y="connsiteY2"/>
+              </a:cxn>
+              <a:cxn ang="0">
+                <a:pos x="connsiteX3" y="connsiteY3"/>
+              </a:cxn>
+            </a:cxnLst>
+            <a:rect l="l" t="t" r="r" b="b"/>
+            <a:pathLst>
+              <a:path w="1607127" h="2050473">
+                <a:moveTo>
+                  <a:pt x="0" y="0"/>
+                </a:moveTo>
+                <a:lnTo>
+                  <a:pt x="0" y="1570182"/>
+                </a:lnTo>
+                <a:lnTo>
+                  <a:pt x="1607127" y="2050473"/>
+                </a:lnTo>
+                <a:lnTo>
+                  <a:pt x="0" y="0"/>
+                </a:lnTo>
+                <a:close/>
+              </a:path>
+            </a:pathLst>
+          </a:custGeom>
+          <a:solidFill>
+            <a:schemeClr val="bg1"/>
+          </a:solidFill>
+          <a:ln w="9525">
+            <a:solidFill>
+              <a:schemeClr val="tx1"/>
+            </a:solidFill>
+          </a:ln>
+        </p:spPr>
+        <p:style>
+          <a:lnRef idx="2">
+            <a:schemeClr val="accent1">
+              <a:shade val="50000"/>
+            </a:schemeClr>
+          </a:lnRef>
+          <a:fillRef idx="1">
+            <a:schemeClr val="accent1"/>
+          </a:fillRef>
+          <a:effectRef idx="0">
+            <a:schemeClr val="accent1"/>
+          </a:effectRef>
+          <a:fontRef idx="minor">
+            <a:schemeClr val="lt1"/>
+          </a:fontRef>
+        </p:style>
+        <p:txBody>
+          <a:bodyPr rtlCol="0" anchor="ctr"/>
+          <a:lstStyle/>
+          <a:p>
+            <a:pPr algn="ctr"/>
+            <a:endParaRPr lang="en-US"/>
+          </a:p>
+        </p:txBody>
+      </p:sp>
+      <mc:AlternateContent xmlns:mc="http://schemas.openxmlformats.org/markup-compatibility/2006">
+        <mc:Choice xmlns:a14="http://schemas.microsoft.com/office/drawing/2010/main" Requires="a14">
+          <p:sp>
+            <p:nvSpPr>
+              <p:cNvPr id="5" name="TextBox 4"/>
+              <p:cNvSpPr txBox="1"/>
+              <p:nvPr/>
+            </p:nvSpPr>
+            <p:spPr>
+              <a:xfrm>
+                <a:off x="4774062" y="353292"/>
+                <a:ext cx="403572" cy="307777"/>
+              </a:xfrm>
+              <a:prstGeom prst="rect">
+                <a:avLst/>
+              </a:prstGeom>
+              <a:noFill/>
+            </p:spPr>
+            <p:txBody>
+              <a:bodyPr wrap="none" rtlCol="0">
+                <a:spAutoFit/>
+              </a:bodyPr>
+              <a:lstStyle/>
+              <a:p>
+                <a14:m>
+                  <m:oMathPara xmlns:m="http://schemas.openxmlformats.org/officeDocument/2006/math">
+                    <m:oMathParaPr>
+                      <m:jc m:val="centerGroup"/>
+                    </m:oMathParaPr>
+                    <m:oMath xmlns:m="http://schemas.openxmlformats.org/officeDocument/2006/math">
+                      <m:sSub>
+                        <m:sSubPr>
+                          <m:ctrlPr>
+                            <a:rPr lang="en-US" sz="1400" b="0" i="1" smtClean="0">
+                              <a:latin typeface="Cambria Math"/>
+                            </a:rPr>
+                          </m:ctrlPr>
+                        </m:sSubPr>
+                        <m:e>
+                          <m:r>
+                            <a:rPr lang="en-US" sz="1400" b="0" i="1" smtClean="0">
+                              <a:latin typeface="Cambria Math"/>
+                            </a:rPr>
+                            <m:t>𝑣</m:t>
+                          </m:r>
+                        </m:e>
+                        <m:sub>
+                          <m:r>
+                            <a:rPr lang="en-US" sz="1400" b="0" i="1" smtClean="0">
+                              <a:latin typeface="Cambria Math"/>
+                            </a:rPr>
+                            <m:t>0</m:t>
+                          </m:r>
+                        </m:sub>
+                      </m:sSub>
+                    </m:oMath>
+                  </m:oMathPara>
+                </a14:m>
+                <a:endParaRPr lang="en-US" sz="1400" dirty="0"/>
+              </a:p>
+            </p:txBody>
+          </p:sp>
+        </mc:Choice>
+        <mc:Fallback>
+          <p:sp>
+            <p:nvSpPr>
+              <p:cNvPr id="5" name="TextBox 4"/>
+              <p:cNvSpPr txBox="1">
+                <a:spLocks noRot="1" noChangeAspect="1" noMove="1" noResize="1" noEditPoints="1" noAdjustHandles="1" noChangeArrowheads="1" noChangeShapeType="1" noTextEdit="1"/>
+              </p:cNvSpPr>
+              <p:nvPr/>
+            </p:nvSpPr>
+            <p:spPr>
+              <a:xfrm>
+                <a:off x="4774062" y="353292"/>
+                <a:ext cx="403572" cy="307777"/>
+              </a:xfrm>
+              <a:prstGeom prst="rect">
+                <a:avLst/>
+              </a:prstGeom>
+              <a:blipFill rotWithShape="1">
+                <a:blip r:embed="rId2"/>
+                <a:stretch>
+                  <a:fillRect/>
+                </a:stretch>
+              </a:blipFill>
+            </p:spPr>
+            <p:txBody>
+              <a:bodyPr/>
+              <a:lstStyle/>
+              <a:p>
+                <a:r>
+                  <a:rPr lang="en-US">
+                    <a:noFill/>
+                  </a:rPr>
+                  <a:t> </a:t>
+                </a:r>
+              </a:p>
+            </p:txBody>
+          </p:sp>
+        </mc:Fallback>
+      </mc:AlternateContent>
+      <mc:AlternateContent xmlns:mc="http://schemas.openxmlformats.org/markup-compatibility/2006">
+        <mc:Choice xmlns:a14="http://schemas.microsoft.com/office/drawing/2010/main" Requires="a14">
+          <p:sp>
+            <p:nvSpPr>
+              <p:cNvPr id="6" name="TextBox 5"/>
+              <p:cNvSpPr txBox="1"/>
+              <p:nvPr/>
+            </p:nvSpPr>
+            <p:spPr>
+              <a:xfrm>
+                <a:off x="4738732" y="1979561"/>
+                <a:ext cx="399405" cy="307777"/>
+              </a:xfrm>
+              <a:prstGeom prst="rect">
+                <a:avLst/>
+              </a:prstGeom>
+              <a:noFill/>
+            </p:spPr>
+            <p:txBody>
+              <a:bodyPr wrap="none" rtlCol="0">
+                <a:spAutoFit/>
+              </a:bodyPr>
+              <a:lstStyle/>
+              <a:p>
+                <a14:m>
+                  <m:oMathPara xmlns:m="http://schemas.openxmlformats.org/officeDocument/2006/math">
+                    <m:oMathParaPr>
+                      <m:jc m:val="centerGroup"/>
+                    </m:oMathParaPr>
+                    <m:oMath xmlns:m="http://schemas.openxmlformats.org/officeDocument/2006/math">
+                      <m:sSub>
+                        <m:sSubPr>
+                          <m:ctrlPr>
+                            <a:rPr lang="en-US" sz="1400" b="0" i="1" smtClean="0">
+                              <a:latin typeface="Cambria Math"/>
+                            </a:rPr>
+                          </m:ctrlPr>
+                        </m:sSubPr>
+                        <m:e>
+                          <m:r>
+                            <a:rPr lang="en-US" sz="1400" b="0" i="1" smtClean="0">
+                              <a:latin typeface="Cambria Math"/>
+                            </a:rPr>
+                            <m:t>𝑣</m:t>
+                          </m:r>
+                        </m:e>
+                        <m:sub>
+                          <m:r>
+                            <a:rPr lang="en-US" sz="1400" b="0" i="1" smtClean="0">
+                              <a:latin typeface="Cambria Math"/>
+                            </a:rPr>
+                            <m:t>1</m:t>
+                          </m:r>
+                        </m:sub>
+                      </m:sSub>
+                    </m:oMath>
+                  </m:oMathPara>
+                </a14:m>
+                <a:endParaRPr lang="en-US" sz="1400" dirty="0"/>
+              </a:p>
+            </p:txBody>
+          </p:sp>
+        </mc:Choice>
+        <mc:Fallback>
+          <p:sp>
+            <p:nvSpPr>
+              <p:cNvPr id="6" name="TextBox 5"/>
+              <p:cNvSpPr txBox="1">
+                <a:spLocks noRot="1" noChangeAspect="1" noMove="1" noResize="1" noEditPoints="1" noAdjustHandles="1" noChangeArrowheads="1" noChangeShapeType="1" noTextEdit="1"/>
+              </p:cNvSpPr>
+              <p:nvPr/>
+            </p:nvSpPr>
+            <p:spPr>
+              <a:xfrm>
+                <a:off x="4738732" y="1979561"/>
+                <a:ext cx="399405" cy="307777"/>
+              </a:xfrm>
+              <a:prstGeom prst="rect">
+                <a:avLst/>
+              </a:prstGeom>
+              <a:blipFill rotWithShape="1">
+                <a:blip r:embed="rId3"/>
+                <a:stretch>
+                  <a:fillRect/>
+                </a:stretch>
+              </a:blipFill>
+            </p:spPr>
+            <p:txBody>
+              <a:bodyPr/>
+              <a:lstStyle/>
+              <a:p>
+                <a:r>
+                  <a:rPr lang="en-US">
+                    <a:noFill/>
+                  </a:rPr>
+                  <a:t> </a:t>
+                </a:r>
+              </a:p>
+            </p:txBody>
+          </p:sp>
+        </mc:Fallback>
+      </mc:AlternateContent>
+      <mc:AlternateContent xmlns:mc="http://schemas.openxmlformats.org/markup-compatibility/2006">
+        <mc:Choice xmlns:a14="http://schemas.microsoft.com/office/drawing/2010/main" Requires="a14">
+          <p:sp>
+            <p:nvSpPr>
+              <p:cNvPr id="7" name="TextBox 6"/>
+              <p:cNvSpPr txBox="1"/>
+              <p:nvPr/>
+            </p:nvSpPr>
+            <p:spPr>
+              <a:xfrm>
+                <a:off x="6683161" y="2592138"/>
+                <a:ext cx="403572" cy="307777"/>
+              </a:xfrm>
+              <a:prstGeom prst="rect">
+                <a:avLst/>
+              </a:prstGeom>
+              <a:noFill/>
+            </p:spPr>
+            <p:txBody>
+              <a:bodyPr wrap="none" rtlCol="0">
+                <a:spAutoFit/>
+              </a:bodyPr>
+              <a:lstStyle/>
+              <a:p>
+                <a14:m>
+                  <m:oMathPara xmlns:m="http://schemas.openxmlformats.org/officeDocument/2006/math">
+                    <m:oMathParaPr>
+                      <m:jc m:val="centerGroup"/>
+                    </m:oMathParaPr>
+                    <m:oMath xmlns:m="http://schemas.openxmlformats.org/officeDocument/2006/math">
+                      <m:sSub>
+                        <m:sSubPr>
+                          <m:ctrlPr>
+                            <a:rPr lang="en-US" sz="1400" b="0" i="1" smtClean="0">
+                              <a:latin typeface="Cambria Math"/>
+                            </a:rPr>
+                          </m:ctrlPr>
+                        </m:sSubPr>
+                        <m:e>
+                          <m:r>
+                            <a:rPr lang="en-US" sz="1400" b="0" i="1" smtClean="0">
+                              <a:latin typeface="Cambria Math"/>
+                            </a:rPr>
+                            <m:t>𝑣</m:t>
+                          </m:r>
+                        </m:e>
+                        <m:sub>
+                          <m:r>
+                            <a:rPr lang="en-US" sz="1400" b="0" i="1" smtClean="0">
+                              <a:latin typeface="Cambria Math"/>
+                            </a:rPr>
+                            <m:t>2</m:t>
+                          </m:r>
+                        </m:sub>
+                      </m:sSub>
+                    </m:oMath>
+                  </m:oMathPara>
+                </a14:m>
+                <a:endParaRPr lang="en-US" sz="1400" dirty="0"/>
+              </a:p>
+            </p:txBody>
+          </p:sp>
+        </mc:Choice>
+        <mc:Fallback>
+          <p:sp>
+            <p:nvSpPr>
+              <p:cNvPr id="7" name="TextBox 6"/>
+              <p:cNvSpPr txBox="1">
+                <a:spLocks noRot="1" noChangeAspect="1" noMove="1" noResize="1" noEditPoints="1" noAdjustHandles="1" noChangeArrowheads="1" noChangeShapeType="1" noTextEdit="1"/>
+              </p:cNvSpPr>
+              <p:nvPr/>
+            </p:nvSpPr>
+            <p:spPr>
+              <a:xfrm>
+                <a:off x="6683161" y="2592138"/>
+                <a:ext cx="403572" cy="307777"/>
+              </a:xfrm>
+              <a:prstGeom prst="rect">
+                <a:avLst/>
+              </a:prstGeom>
+              <a:blipFill rotWithShape="1">
+                <a:blip r:embed="rId4"/>
+                <a:stretch>
+                  <a:fillRect/>
+                </a:stretch>
+              </a:blipFill>
+            </p:spPr>
+            <p:txBody>
+              <a:bodyPr/>
+              <a:lstStyle/>
+              <a:p>
+                <a:r>
+                  <a:rPr lang="en-US">
+                    <a:noFill/>
+                  </a:rPr>
+                  <a:t> </a:t>
+                </a:r>
+              </a:p>
+            </p:txBody>
+          </p:sp>
+        </mc:Fallback>
+      </mc:AlternateContent>
+      <mc:AlternateContent xmlns:mc="http://schemas.openxmlformats.org/markup-compatibility/2006">
+        <mc:Choice xmlns:a14="http://schemas.microsoft.com/office/drawing/2010/main" Requires="a14">
+          <p:sp>
+            <p:nvSpPr>
+              <p:cNvPr id="8" name="TextBox 7"/>
+              <p:cNvSpPr txBox="1"/>
+              <p:nvPr/>
+            </p:nvSpPr>
+            <p:spPr>
+              <a:xfrm>
+                <a:off x="3962400" y="2297243"/>
+                <a:ext cx="403572" cy="307777"/>
+              </a:xfrm>
+              <a:prstGeom prst="rect">
+                <a:avLst/>
+              </a:prstGeom>
+              <a:noFill/>
+            </p:spPr>
+            <p:txBody>
+              <a:bodyPr wrap="none" rtlCol="0">
+                <a:spAutoFit/>
+              </a:bodyPr>
+              <a:lstStyle/>
+              <a:p>
+                <a14:m>
+                  <m:oMathPara xmlns:m="http://schemas.openxmlformats.org/officeDocument/2006/math">
+                    <m:oMathParaPr>
+                      <m:jc m:val="centerGroup"/>
+                    </m:oMathParaPr>
+                    <m:oMath xmlns:m="http://schemas.openxmlformats.org/officeDocument/2006/math">
+                      <m:sSub>
+                        <m:sSubPr>
+                          <m:ctrlPr>
+                            <a:rPr lang="en-US" sz="1400" b="0" i="1" smtClean="0">
+                              <a:latin typeface="Cambria Math"/>
+                            </a:rPr>
+                          </m:ctrlPr>
+                        </m:sSubPr>
+                        <m:e>
+                          <m:r>
+                            <a:rPr lang="en-US" sz="1400" b="0" i="1" smtClean="0">
+                              <a:latin typeface="Cambria Math"/>
+                            </a:rPr>
+                            <m:t>𝑝</m:t>
+                          </m:r>
+                        </m:e>
+                        <m:sub>
+                          <m:r>
+                            <a:rPr lang="en-US" sz="1400" b="0" i="1" smtClean="0">
+                              <a:latin typeface="Cambria Math"/>
+                            </a:rPr>
+                            <m:t>0</m:t>
+                          </m:r>
+                        </m:sub>
+                      </m:sSub>
+                    </m:oMath>
+                  </m:oMathPara>
+                </a14:m>
+                <a:endParaRPr lang="en-US" sz="1400" dirty="0"/>
+              </a:p>
+            </p:txBody>
+          </p:sp>
+        </mc:Choice>
+        <mc:Fallback>
+          <p:sp>
+            <p:nvSpPr>
+              <p:cNvPr id="8" name="TextBox 7"/>
+              <p:cNvSpPr txBox="1">
+                <a:spLocks noRot="1" noChangeAspect="1" noMove="1" noResize="1" noEditPoints="1" noAdjustHandles="1" noChangeArrowheads="1" noChangeShapeType="1" noTextEdit="1"/>
+              </p:cNvSpPr>
+              <p:nvPr/>
+            </p:nvSpPr>
+            <p:spPr>
+              <a:xfrm>
+                <a:off x="3962400" y="2297243"/>
+                <a:ext cx="403572" cy="307777"/>
+              </a:xfrm>
+              <a:prstGeom prst="rect">
+                <a:avLst/>
+              </a:prstGeom>
+              <a:blipFill rotWithShape="1">
+                <a:blip r:embed="rId5"/>
+                <a:stretch>
+                  <a:fillRect b="-2000"/>
+                </a:stretch>
+              </a:blipFill>
+            </p:spPr>
+            <p:txBody>
+              <a:bodyPr/>
+              <a:lstStyle/>
+              <a:p>
+                <a:r>
+                  <a:rPr lang="en-US">
+                    <a:noFill/>
+                  </a:rPr>
+                  <a:t> </a:t>
+                </a:r>
+              </a:p>
+            </p:txBody>
+          </p:sp>
+        </mc:Fallback>
+      </mc:AlternateContent>
+      <mc:AlternateContent xmlns:mc="http://schemas.openxmlformats.org/markup-compatibility/2006">
+        <mc:Choice xmlns:a14="http://schemas.microsoft.com/office/drawing/2010/main" Requires="a14">
+          <p:sp>
+            <p:nvSpPr>
+              <p:cNvPr id="9" name="TextBox 8"/>
+              <p:cNvSpPr txBox="1"/>
+              <p:nvPr/>
+            </p:nvSpPr>
+            <p:spPr>
+              <a:xfrm>
+                <a:off x="3919046" y="3267063"/>
+                <a:ext cx="403572" cy="307777"/>
+              </a:xfrm>
+              <a:prstGeom prst="rect">
+                <a:avLst/>
+              </a:prstGeom>
+              <a:noFill/>
+            </p:spPr>
+            <p:txBody>
+              <a:bodyPr wrap="none" rtlCol="0">
+                <a:spAutoFit/>
+              </a:bodyPr>
+              <a:lstStyle/>
+              <a:p>
+                <a14:m>
+                  <m:oMathPara xmlns:m="http://schemas.openxmlformats.org/officeDocument/2006/math">
+                    <m:oMathParaPr>
+                      <m:jc m:val="centerGroup"/>
+                    </m:oMathParaPr>
+                    <m:oMath xmlns:m="http://schemas.openxmlformats.org/officeDocument/2006/math">
+                      <m:sSub>
+                        <m:sSubPr>
+                          <m:ctrlPr>
+                            <a:rPr lang="en-US" sz="1400" b="0" i="1" smtClean="0">
+                              <a:latin typeface="Cambria Math"/>
+                            </a:rPr>
+                          </m:ctrlPr>
+                        </m:sSubPr>
+                        <m:e>
+                          <m:r>
+                            <a:rPr lang="en-US" sz="1400" b="0" i="1" smtClean="0">
+                              <a:latin typeface="Cambria Math"/>
+                            </a:rPr>
+                            <m:t>𝑝</m:t>
+                          </m:r>
+                        </m:e>
+                        <m:sub>
+                          <m:r>
+                            <a:rPr lang="en-US" sz="1400" b="0" i="1" smtClean="0">
+                              <a:latin typeface="Cambria Math"/>
+                            </a:rPr>
+                            <m:t>1</m:t>
+                          </m:r>
+                        </m:sub>
+                      </m:sSub>
+                    </m:oMath>
+                  </m:oMathPara>
+                </a14:m>
+                <a:endParaRPr lang="en-US" sz="1400" dirty="0"/>
+              </a:p>
+            </p:txBody>
+          </p:sp>
+        </mc:Choice>
+        <mc:Fallback>
+          <p:sp>
+            <p:nvSpPr>
+              <p:cNvPr id="9" name="TextBox 8"/>
+              <p:cNvSpPr txBox="1">
+                <a:spLocks noRot="1" noChangeAspect="1" noMove="1" noResize="1" noEditPoints="1" noAdjustHandles="1" noChangeArrowheads="1" noChangeShapeType="1" noTextEdit="1"/>
+              </p:cNvSpPr>
+              <p:nvPr/>
+            </p:nvSpPr>
+            <p:spPr>
+              <a:xfrm>
+                <a:off x="3919046" y="3267063"/>
+                <a:ext cx="403572" cy="307777"/>
+              </a:xfrm>
+              <a:prstGeom prst="rect">
+                <a:avLst/>
+              </a:prstGeom>
+              <a:blipFill rotWithShape="1">
+                <a:blip r:embed="rId6"/>
+                <a:stretch>
+                  <a:fillRect b="-2000"/>
+                </a:stretch>
+              </a:blipFill>
+            </p:spPr>
+            <p:txBody>
+              <a:bodyPr/>
+              <a:lstStyle/>
+              <a:p>
+                <a:r>
+                  <a:rPr lang="en-US">
+                    <a:noFill/>
+                  </a:rPr>
+                  <a:t> </a:t>
+                </a:r>
+              </a:p>
+            </p:txBody>
+          </p:sp>
+        </mc:Fallback>
+      </mc:AlternateContent>
+      <mc:AlternateContent xmlns:mc="http://schemas.openxmlformats.org/markup-compatibility/2006">
+        <mc:Choice xmlns:a14="http://schemas.microsoft.com/office/drawing/2010/main" Requires="a14">
+          <p:sp>
+            <p:nvSpPr>
+              <p:cNvPr id="10" name="TextBox 9"/>
+              <p:cNvSpPr txBox="1"/>
+              <p:nvPr/>
+            </p:nvSpPr>
+            <p:spPr>
+              <a:xfrm>
+                <a:off x="4930428" y="3578423"/>
+                <a:ext cx="403572" cy="307777"/>
+              </a:xfrm>
+              <a:prstGeom prst="rect">
+                <a:avLst/>
+              </a:prstGeom>
+              <a:noFill/>
+            </p:spPr>
+            <p:txBody>
+              <a:bodyPr wrap="none" rtlCol="0">
+                <a:spAutoFit/>
+              </a:bodyPr>
+              <a:lstStyle/>
+              <a:p>
+                <a14:m>
+                  <m:oMathPara xmlns:m="http://schemas.openxmlformats.org/officeDocument/2006/math">
+                    <m:oMathParaPr>
+                      <m:jc m:val="centerGroup"/>
+                    </m:oMathParaPr>
+                    <m:oMath xmlns:m="http://schemas.openxmlformats.org/officeDocument/2006/math">
+                      <m:sSub>
+                        <m:sSubPr>
+                          <m:ctrlPr>
+                            <a:rPr lang="en-US" sz="1400" b="0" i="1" smtClean="0">
+                              <a:latin typeface="Cambria Math"/>
+                            </a:rPr>
+                          </m:ctrlPr>
+                        </m:sSubPr>
+                        <m:e>
+                          <m:r>
+                            <a:rPr lang="en-US" sz="1400" b="0" i="1" smtClean="0">
+                              <a:latin typeface="Cambria Math"/>
+                            </a:rPr>
+                            <m:t>𝑝</m:t>
+                          </m:r>
+                        </m:e>
+                        <m:sub>
+                          <m:r>
+                            <a:rPr lang="en-US" sz="1400" b="0" i="1" smtClean="0">
+                              <a:latin typeface="Cambria Math"/>
+                            </a:rPr>
+                            <m:t>2</m:t>
+                          </m:r>
+                        </m:sub>
+                      </m:sSub>
+                    </m:oMath>
+                  </m:oMathPara>
+                </a14:m>
+                <a:endParaRPr lang="en-US" sz="1400" dirty="0"/>
+              </a:p>
+            </p:txBody>
+          </p:sp>
+        </mc:Choice>
+        <mc:Fallback>
+          <p:sp>
+            <p:nvSpPr>
+              <p:cNvPr id="10" name="TextBox 9"/>
+              <p:cNvSpPr txBox="1">
+                <a:spLocks noRot="1" noChangeAspect="1" noMove="1" noResize="1" noEditPoints="1" noAdjustHandles="1" noChangeArrowheads="1" noChangeShapeType="1" noTextEdit="1"/>
+              </p:cNvSpPr>
+              <p:nvPr/>
+            </p:nvSpPr>
+            <p:spPr>
+              <a:xfrm>
+                <a:off x="4930428" y="3578423"/>
+                <a:ext cx="403572" cy="307777"/>
+              </a:xfrm>
+              <a:prstGeom prst="rect">
+                <a:avLst/>
+              </a:prstGeom>
+              <a:blipFill rotWithShape="1">
+                <a:blip r:embed="rId7"/>
+                <a:stretch>
+                  <a:fillRect/>
+                </a:stretch>
+              </a:blipFill>
+            </p:spPr>
+            <p:txBody>
+              <a:bodyPr/>
+              <a:lstStyle/>
+              <a:p>
+                <a:r>
+                  <a:rPr lang="en-US">
+                    <a:noFill/>
+                  </a:rPr>
+                  <a:t> </a:t>
+                </a:r>
+              </a:p>
+            </p:txBody>
+          </p:sp>
+        </mc:Fallback>
+      </mc:AlternateContent>
+      <p:cxnSp>
+        <p:nvCxnSpPr>
+          <p:cNvPr id="12" name="Straight Arrow Connector 11"/>
+          <p:cNvCxnSpPr/>
+          <p:nvPr/>
+        </p:nvCxnSpPr>
+        <p:spPr>
+          <a:xfrm flipH="1" flipV="1">
+            <a:off x="2667000" y="2899915"/>
+            <a:ext cx="838200" cy="262385"/>
+          </a:xfrm>
+          <a:prstGeom prst="straightConnector1">
+            <a:avLst/>
+          </a:prstGeom>
+          <a:ln>
+            <a:solidFill>
+              <a:schemeClr val="tx1"/>
+            </a:solidFill>
+            <a:tailEnd type="arrow"/>
+          </a:ln>
+        </p:spPr>
+        <p:style>
+          <a:lnRef idx="1">
+            <a:schemeClr val="accent1"/>
+          </a:lnRef>
+          <a:fillRef idx="0">
+            <a:schemeClr val="accent1"/>
+          </a:fillRef>
+          <a:effectRef idx="0">
+            <a:schemeClr val="accent1"/>
+          </a:effectRef>
+          <a:fontRef idx="minor">
+            <a:schemeClr val="tx1"/>
+          </a:fontRef>
+        </p:style>
+      </p:cxnSp>
+      <mc:AlternateContent xmlns:mc="http://schemas.openxmlformats.org/markup-compatibility/2006">
+        <mc:Choice xmlns:a14="http://schemas.microsoft.com/office/drawing/2010/main" Requires="a14">
+          <p:sp>
+            <p:nvSpPr>
+              <p:cNvPr id="13" name="TextBox 12"/>
+              <p:cNvSpPr txBox="1"/>
+              <p:nvPr/>
+            </p:nvSpPr>
+            <p:spPr>
+              <a:xfrm>
+                <a:off x="2465214" y="2590800"/>
+                <a:ext cx="521297" cy="307777"/>
+              </a:xfrm>
+              <a:prstGeom prst="rect">
+                <a:avLst/>
+              </a:prstGeom>
+              <a:noFill/>
+            </p:spPr>
+            <p:txBody>
+              <a:bodyPr wrap="none" rtlCol="0">
+                <a:spAutoFit/>
+              </a:bodyPr>
+              <a:lstStyle/>
+              <a:p>
+                <a14:m>
+                  <m:oMathPara xmlns:m="http://schemas.openxmlformats.org/officeDocument/2006/math">
+                    <m:oMathParaPr>
+                      <m:jc m:val="centerGroup"/>
+                    </m:oMathParaPr>
+                    <m:oMath xmlns:m="http://schemas.openxmlformats.org/officeDocument/2006/math">
+                      <m:r>
+                        <a:rPr lang="en-US" sz="1400" b="0" i="1" smtClean="0">
+                          <a:latin typeface="Cambria Math"/>
+                        </a:rPr>
+                        <m:t>𝑣𝑝</m:t>
+                      </m:r>
+                      <m:r>
+                        <a:rPr lang="en-US" sz="1400" b="0" i="1" smtClean="0">
+                          <a:latin typeface="Cambria Math"/>
+                        </a:rPr>
+                        <m:t>0</m:t>
+                      </m:r>
+                    </m:oMath>
+                  </m:oMathPara>
+                </a14:m>
+                <a:endParaRPr lang="en-US" sz="1400" dirty="0"/>
+              </a:p>
+            </p:txBody>
+          </p:sp>
+        </mc:Choice>
+        <mc:Fallback>
+          <p:sp>
+            <p:nvSpPr>
+              <p:cNvPr id="13" name="TextBox 12"/>
+              <p:cNvSpPr txBox="1">
+                <a:spLocks noRot="1" noChangeAspect="1" noMove="1" noResize="1" noEditPoints="1" noAdjustHandles="1" noChangeArrowheads="1" noChangeShapeType="1" noTextEdit="1"/>
+              </p:cNvSpPr>
+              <p:nvPr/>
+            </p:nvSpPr>
+            <p:spPr>
+              <a:xfrm>
+                <a:off x="2465214" y="2590800"/>
+                <a:ext cx="521297" cy="307777"/>
+              </a:xfrm>
+              <a:prstGeom prst="rect">
+                <a:avLst/>
+              </a:prstGeom>
+              <a:blipFill rotWithShape="1">
+                <a:blip r:embed="rId8"/>
+                <a:stretch>
+                  <a:fillRect b="-6000"/>
+                </a:stretch>
+              </a:blipFill>
+            </p:spPr>
+            <p:txBody>
+              <a:bodyPr/>
+              <a:lstStyle/>
+              <a:p>
+                <a:r>
+                  <a:rPr lang="en-US">
+                    <a:noFill/>
+                  </a:rPr>
+                  <a:t> </a:t>
+                </a:r>
+              </a:p>
+            </p:txBody>
+          </p:sp>
+        </mc:Fallback>
+      </mc:AlternateContent>
+      <mc:AlternateContent xmlns:mc="http://schemas.openxmlformats.org/markup-compatibility/2006">
+        <mc:Choice xmlns:a14="http://schemas.microsoft.com/office/drawing/2010/main" Requires="a14">
+          <p:sp>
+            <p:nvSpPr>
+              <p:cNvPr id="14" name="TextBox 13"/>
+              <p:cNvSpPr txBox="1"/>
+              <p:nvPr/>
+            </p:nvSpPr>
+            <p:spPr>
+              <a:xfrm>
+                <a:off x="6460317" y="3573199"/>
+                <a:ext cx="521297" cy="307777"/>
+              </a:xfrm>
+              <a:prstGeom prst="rect">
+                <a:avLst/>
+              </a:prstGeom>
+              <a:noFill/>
+            </p:spPr>
+            <p:txBody>
+              <a:bodyPr wrap="none" rtlCol="0">
+                <a:spAutoFit/>
+              </a:bodyPr>
+              <a:lstStyle/>
+              <a:p>
+                <a14:m>
+                  <m:oMathPara xmlns:m="http://schemas.openxmlformats.org/officeDocument/2006/math">
+                    <m:oMathParaPr>
+                      <m:jc m:val="centerGroup"/>
+                    </m:oMathParaPr>
+                    <m:oMath xmlns:m="http://schemas.openxmlformats.org/officeDocument/2006/math">
+                      <m:r>
+                        <a:rPr lang="en-US" sz="1400" b="0" i="1" smtClean="0">
+                          <a:latin typeface="Cambria Math"/>
+                        </a:rPr>
+                        <m:t>𝑣𝑝</m:t>
+                      </m:r>
+                      <m:r>
+                        <a:rPr lang="en-US" sz="1400" b="0" i="1" smtClean="0">
+                          <a:latin typeface="Cambria Math"/>
+                        </a:rPr>
+                        <m:t>1</m:t>
+                      </m:r>
+                    </m:oMath>
+                  </m:oMathPara>
+                </a14:m>
+                <a:endParaRPr lang="en-US" sz="1400" dirty="0"/>
+              </a:p>
+            </p:txBody>
+          </p:sp>
+        </mc:Choice>
+        <mc:Fallback>
+          <p:sp>
+            <p:nvSpPr>
+              <p:cNvPr id="14" name="TextBox 13"/>
+              <p:cNvSpPr txBox="1">
+                <a:spLocks noRot="1" noChangeAspect="1" noMove="1" noResize="1" noEditPoints="1" noAdjustHandles="1" noChangeArrowheads="1" noChangeShapeType="1" noTextEdit="1"/>
+              </p:cNvSpPr>
+              <p:nvPr/>
+            </p:nvSpPr>
+            <p:spPr>
+              <a:xfrm>
+                <a:off x="6460317" y="3573199"/>
+                <a:ext cx="521297" cy="307777"/>
+              </a:xfrm>
+              <a:prstGeom prst="rect">
+                <a:avLst/>
+              </a:prstGeom>
+              <a:blipFill rotWithShape="1">
+                <a:blip r:embed="rId9"/>
+                <a:stretch>
+                  <a:fillRect b="-3922"/>
+                </a:stretch>
+              </a:blipFill>
+            </p:spPr>
+            <p:txBody>
+              <a:bodyPr/>
+              <a:lstStyle/>
+              <a:p>
+                <a:r>
+                  <a:rPr lang="en-US">
+                    <a:noFill/>
+                  </a:rPr>
+                  <a:t> </a:t>
+                </a:r>
+              </a:p>
+            </p:txBody>
+          </p:sp>
+        </mc:Fallback>
+      </mc:AlternateContent>
+      <p:cxnSp>
+        <p:nvCxnSpPr>
+          <p:cNvPr id="15" name="Straight Arrow Connector 14"/>
+          <p:cNvCxnSpPr/>
+          <p:nvPr/>
+        </p:nvCxnSpPr>
+        <p:spPr>
+          <a:xfrm flipV="1">
+            <a:off x="5389418" y="3761675"/>
+            <a:ext cx="1070899" cy="133596"/>
+          </a:xfrm>
+          <a:prstGeom prst="straightConnector1">
+            <a:avLst/>
+          </a:prstGeom>
+          <a:ln>
+            <a:solidFill>
+              <a:schemeClr val="tx1"/>
+            </a:solidFill>
+            <a:tailEnd type="arrow"/>
+          </a:ln>
+        </p:spPr>
+        <p:style>
+          <a:lnRef idx="1">
+            <a:schemeClr val="accent1"/>
+          </a:lnRef>
+          <a:fillRef idx="0">
+            <a:schemeClr val="accent1"/>
+          </a:fillRef>
+          <a:effectRef idx="0">
+            <a:schemeClr val="accent1"/>
+          </a:effectRef>
+          <a:fontRef idx="minor">
+            <a:schemeClr val="tx1"/>
+          </a:fontRef>
+        </p:style>
+      </p:cxnSp>
+      <p:cxnSp>
+        <p:nvCxnSpPr>
+          <p:cNvPr id="17" name="Straight Arrow Connector 16"/>
+          <p:cNvCxnSpPr/>
+          <p:nvPr/>
+        </p:nvCxnSpPr>
+        <p:spPr>
+          <a:xfrm>
+            <a:off x="4495800" y="3828473"/>
+            <a:ext cx="0" cy="981529"/>
+          </a:xfrm>
+          <a:prstGeom prst="straightConnector1">
+            <a:avLst/>
+          </a:prstGeom>
+          <a:ln>
+            <a:solidFill>
+              <a:schemeClr val="tx1"/>
+            </a:solidFill>
+            <a:tailEnd type="arrow"/>
+          </a:ln>
+        </p:spPr>
+        <p:style>
+          <a:lnRef idx="1">
+            <a:schemeClr val="accent1"/>
+          </a:lnRef>
+          <a:fillRef idx="0">
+            <a:schemeClr val="accent1"/>
+          </a:fillRef>
+          <a:effectRef idx="0">
+            <a:schemeClr val="accent1"/>
+          </a:effectRef>
+          <a:fontRef idx="minor">
+            <a:schemeClr val="tx1"/>
+          </a:fontRef>
+        </p:style>
+      </p:cxnSp>
+      <mc:AlternateContent xmlns:mc="http://schemas.openxmlformats.org/markup-compatibility/2006">
+        <mc:Choice xmlns:a14="http://schemas.microsoft.com/office/drawing/2010/main" Requires="a14">
+          <p:sp>
+            <p:nvSpPr>
+              <p:cNvPr id="19" name="TextBox 18"/>
+              <p:cNvSpPr txBox="1"/>
+              <p:nvPr/>
+            </p:nvSpPr>
+            <p:spPr>
+              <a:xfrm>
+                <a:off x="4426527" y="4810002"/>
+                <a:ext cx="521297" cy="307777"/>
+              </a:xfrm>
+              <a:prstGeom prst="rect">
+                <a:avLst/>
+              </a:prstGeom>
+              <a:noFill/>
+            </p:spPr>
+            <p:txBody>
+              <a:bodyPr wrap="none" rtlCol="0">
+                <a:spAutoFit/>
+              </a:bodyPr>
+              <a:lstStyle/>
+              <a:p>
+                <a14:m>
+                  <m:oMathPara xmlns:m="http://schemas.openxmlformats.org/officeDocument/2006/math">
+                    <m:oMathParaPr>
+                      <m:jc m:val="centerGroup"/>
+                    </m:oMathParaPr>
+                    <m:oMath xmlns:m="http://schemas.openxmlformats.org/officeDocument/2006/math">
+                      <m:r>
+                        <a:rPr lang="en-US" sz="1400" b="0" i="1" smtClean="0">
+                          <a:latin typeface="Cambria Math"/>
+                        </a:rPr>
+                        <m:t>𝑣𝑝</m:t>
+                      </m:r>
+                      <m:r>
+                        <a:rPr lang="en-US" sz="1400" b="0" i="1" smtClean="0">
+                          <a:latin typeface="Cambria Math"/>
+                        </a:rPr>
+                        <m:t>2</m:t>
+                      </m:r>
+                    </m:oMath>
+                  </m:oMathPara>
+                </a14:m>
+                <a:endParaRPr lang="en-US" sz="1400" dirty="0"/>
+              </a:p>
+            </p:txBody>
+          </p:sp>
+        </mc:Choice>
+        <mc:Fallback>
+          <p:sp>
+            <p:nvSpPr>
+              <p:cNvPr id="19" name="TextBox 18"/>
+              <p:cNvSpPr txBox="1">
+                <a:spLocks noRot="1" noChangeAspect="1" noMove="1" noResize="1" noEditPoints="1" noAdjustHandles="1" noChangeArrowheads="1" noChangeShapeType="1" noTextEdit="1"/>
+              </p:cNvSpPr>
+              <p:nvPr/>
+            </p:nvSpPr>
+            <p:spPr>
+              <a:xfrm>
+                <a:off x="4426527" y="4810002"/>
+                <a:ext cx="521297" cy="307777"/>
+              </a:xfrm>
+              <a:prstGeom prst="rect">
+                <a:avLst/>
+              </a:prstGeom>
+              <a:blipFill rotWithShape="1">
+                <a:blip r:embed="rId10"/>
+                <a:stretch>
+                  <a:fillRect b="-3922"/>
+                </a:stretch>
+              </a:blipFill>
+            </p:spPr>
+            <p:txBody>
+              <a:bodyPr/>
+              <a:lstStyle/>
+              <a:p>
+                <a:r>
+                  <a:rPr lang="en-US">
+                    <a:noFill/>
+                  </a:rPr>
+                  <a:t> </a:t>
+                </a:r>
+              </a:p>
+            </p:txBody>
+          </p:sp>
+        </mc:Fallback>
+      </mc:AlternateContent>
+      <p:cxnSp>
+        <p:nvCxnSpPr>
+          <p:cNvPr id="21" name="Straight Connector 20"/>
+          <p:cNvCxnSpPr>
+            <a:stCxn id="2" idx="0"/>
+          </p:cNvCxnSpPr>
+          <p:nvPr/>
+        </p:nvCxnSpPr>
+        <p:spPr>
+          <a:xfrm flipH="1">
+            <a:off x="3500582" y="646545"/>
+            <a:ext cx="1570182" cy="3897746"/>
+          </a:xfrm>
+          <a:prstGeom prst="line">
+            <a:avLst/>
+          </a:prstGeom>
+          <a:ln>
+            <a:prstDash val="sysDot"/>
+          </a:ln>
+        </p:spPr>
+        <p:style>
+          <a:lnRef idx="1">
+            <a:schemeClr val="accent1"/>
+          </a:lnRef>
+          <a:fillRef idx="0">
+            <a:schemeClr val="accent1"/>
+          </a:fillRef>
+          <a:effectRef idx="0">
+            <a:schemeClr val="accent1"/>
+          </a:effectRef>
+          <a:fontRef idx="minor">
+            <a:schemeClr val="tx1"/>
+          </a:fontRef>
+        </p:style>
+      </p:cxnSp>
+      <p:cxnSp>
+        <p:nvCxnSpPr>
+          <p:cNvPr id="22" name="Straight Connector 21"/>
+          <p:cNvCxnSpPr/>
+          <p:nvPr/>
+        </p:nvCxnSpPr>
+        <p:spPr>
+          <a:xfrm flipH="1">
+            <a:off x="3500582" y="2207491"/>
+            <a:ext cx="1570183" cy="2309091"/>
+          </a:xfrm>
+          <a:prstGeom prst="line">
+            <a:avLst/>
+          </a:prstGeom>
+          <a:ln>
+            <a:prstDash val="sysDot"/>
+          </a:ln>
+        </p:spPr>
+        <p:style>
+          <a:lnRef idx="1">
+            <a:schemeClr val="accent1"/>
+          </a:lnRef>
+          <a:fillRef idx="0">
+            <a:schemeClr val="accent1"/>
+          </a:fillRef>
+          <a:effectRef idx="0">
+            <a:schemeClr val="accent1"/>
+          </a:effectRef>
+          <a:fontRef idx="minor">
+            <a:schemeClr val="tx1"/>
+          </a:fontRef>
+        </p:style>
+      </p:cxnSp>
+      <p:cxnSp>
+        <p:nvCxnSpPr>
+          <p:cNvPr id="30" name="Straight Connector 29"/>
+          <p:cNvCxnSpPr>
+            <a:stCxn id="2" idx="2"/>
+          </p:cNvCxnSpPr>
+          <p:nvPr/>
+        </p:nvCxnSpPr>
+        <p:spPr>
+          <a:xfrm flipH="1">
+            <a:off x="3528291" y="2697018"/>
+            <a:ext cx="3149600" cy="1791855"/>
+          </a:xfrm>
+          <a:prstGeom prst="line">
+            <a:avLst/>
+          </a:prstGeom>
+          <a:ln>
+            <a:prstDash val="sysDot"/>
+          </a:ln>
+        </p:spPr>
+        <p:style>
+          <a:lnRef idx="1">
+            <a:schemeClr val="accent1"/>
+          </a:lnRef>
+          <a:fillRef idx="0">
+            <a:schemeClr val="accent1"/>
+          </a:fillRef>
+          <a:effectRef idx="0">
+            <a:schemeClr val="accent1"/>
+          </a:effectRef>
+          <a:fontRef idx="minor">
+            <a:schemeClr val="tx1"/>
+          </a:fontRef>
+        </p:style>
+      </p:cxnSp>
+      <p:sp>
+        <p:nvSpPr>
+          <p:cNvPr id="35" name="TextBox 34"/>
+          <p:cNvSpPr txBox="1"/>
+          <p:nvPr/>
+        </p:nvSpPr>
+        <p:spPr>
+          <a:xfrm>
+            <a:off x="2971800" y="4488873"/>
+            <a:ext cx="745269" cy="307777"/>
+          </a:xfrm>
+          <a:prstGeom prst="rect">
+            <a:avLst/>
+          </a:prstGeom>
+          <a:noFill/>
+        </p:spPr>
+        <p:txBody>
+          <a:bodyPr wrap="none" rtlCol="0">
+            <a:spAutoFit/>
+          </a:bodyPr>
+          <a:lstStyle/>
+          <a:p>
+            <a:r>
+              <a:rPr lang="en-US" sz="1400" dirty="0" smtClean="0"/>
+              <a:t>Camera</a:t>
+            </a:r>
+            <a:endParaRPr lang="en-US" sz="1400" dirty="0"/>
+          </a:p>
+        </p:txBody>
+      </p:sp>
+    </p:spTree>
+    <p:extLst>
+      <p:ext uri="{BB962C8B-B14F-4D97-AF65-F5344CB8AC3E}">
+        <p14:creationId xmlns:p14="http://schemas.microsoft.com/office/powerpoint/2010/main" val="4171358920"/>
+      </p:ext>
+    </p:extLst>
+  </p:cSld>
+  <p:clrMapOvr>
+    <a:masterClrMapping/>
+  </p:clrMapOvr>
+  <p:timing>
+    <p:tnLst>
+      <p:par>
+        <p:cTn id="1" dur="indefinite" restart="never" nodeType="tmRoot"/>
+      </p:par>
+    </p:tnLst>
+  </p:timing>
 </p:sld>
 </file>
 
